--- a/R/텍스트분석.pptx
+++ b/R/텍스트분석.pptx
@@ -29,11 +29,12 @@
     <p:sldId id="278" r:id="rId23"/>
     <p:sldId id="279" r:id="rId24"/>
     <p:sldId id="284" r:id="rId25"/>
-    <p:sldId id="285" r:id="rId26"/>
-    <p:sldId id="280" r:id="rId27"/>
-    <p:sldId id="281" r:id="rId28"/>
-    <p:sldId id="282" r:id="rId29"/>
-    <p:sldId id="283" r:id="rId30"/>
+    <p:sldId id="286" r:id="rId26"/>
+    <p:sldId id="285" r:id="rId27"/>
+    <p:sldId id="280" r:id="rId28"/>
+    <p:sldId id="281" r:id="rId29"/>
+    <p:sldId id="282" r:id="rId30"/>
+    <p:sldId id="283" r:id="rId31"/>
   </p:sldIdLst>
   <p:sldSz cx="12192000" cy="6858000"/>
   <p:notesSz cx="6858000" cy="9144000"/>
@@ -280,7 +281,7 @@
           <a:p>
             <a:fld id="{097A5662-6916-43EF-9B9C-0D24F343E5A9}" type="datetimeFigureOut">
               <a:rPr lang="ko-KR" altLang="en-US" smtClean="0"/>
-              <a:t>2021-03-08</a:t>
+              <a:t>2021-03-10</a:t>
             </a:fld>
             <a:endParaRPr lang="ko-KR" altLang="en-US"/>
           </a:p>
@@ -448,7 +449,7 @@
           <a:p>
             <a:fld id="{097A5662-6916-43EF-9B9C-0D24F343E5A9}" type="datetimeFigureOut">
               <a:rPr lang="ko-KR" altLang="en-US" smtClean="0"/>
-              <a:t>2021-03-08</a:t>
+              <a:t>2021-03-10</a:t>
             </a:fld>
             <a:endParaRPr lang="ko-KR" altLang="en-US"/>
           </a:p>
@@ -626,7 +627,7 @@
           <a:p>
             <a:fld id="{097A5662-6916-43EF-9B9C-0D24F343E5A9}" type="datetimeFigureOut">
               <a:rPr lang="ko-KR" altLang="en-US" smtClean="0"/>
-              <a:t>2021-03-08</a:t>
+              <a:t>2021-03-10</a:t>
             </a:fld>
             <a:endParaRPr lang="ko-KR" altLang="en-US"/>
           </a:p>
@@ -794,7 +795,7 @@
           <a:p>
             <a:fld id="{097A5662-6916-43EF-9B9C-0D24F343E5A9}" type="datetimeFigureOut">
               <a:rPr lang="ko-KR" altLang="en-US" smtClean="0"/>
-              <a:t>2021-03-08</a:t>
+              <a:t>2021-03-10</a:t>
             </a:fld>
             <a:endParaRPr lang="ko-KR" altLang="en-US"/>
           </a:p>
@@ -1039,7 +1040,7 @@
           <a:p>
             <a:fld id="{097A5662-6916-43EF-9B9C-0D24F343E5A9}" type="datetimeFigureOut">
               <a:rPr lang="ko-KR" altLang="en-US" smtClean="0"/>
-              <a:t>2021-03-08</a:t>
+              <a:t>2021-03-10</a:t>
             </a:fld>
             <a:endParaRPr lang="ko-KR" altLang="en-US"/>
           </a:p>
@@ -1268,7 +1269,7 @@
           <a:p>
             <a:fld id="{097A5662-6916-43EF-9B9C-0D24F343E5A9}" type="datetimeFigureOut">
               <a:rPr lang="ko-KR" altLang="en-US" smtClean="0"/>
-              <a:t>2021-03-08</a:t>
+              <a:t>2021-03-10</a:t>
             </a:fld>
             <a:endParaRPr lang="ko-KR" altLang="en-US"/>
           </a:p>
@@ -1632,7 +1633,7 @@
           <a:p>
             <a:fld id="{097A5662-6916-43EF-9B9C-0D24F343E5A9}" type="datetimeFigureOut">
               <a:rPr lang="ko-KR" altLang="en-US" smtClean="0"/>
-              <a:t>2021-03-08</a:t>
+              <a:t>2021-03-10</a:t>
             </a:fld>
             <a:endParaRPr lang="ko-KR" altLang="en-US"/>
           </a:p>
@@ -1749,7 +1750,7 @@
           <a:p>
             <a:fld id="{097A5662-6916-43EF-9B9C-0D24F343E5A9}" type="datetimeFigureOut">
               <a:rPr lang="ko-KR" altLang="en-US" smtClean="0"/>
-              <a:t>2021-03-08</a:t>
+              <a:t>2021-03-10</a:t>
             </a:fld>
             <a:endParaRPr lang="ko-KR" altLang="en-US"/>
           </a:p>
@@ -1844,7 +1845,7 @@
           <a:p>
             <a:fld id="{097A5662-6916-43EF-9B9C-0D24F343E5A9}" type="datetimeFigureOut">
               <a:rPr lang="ko-KR" altLang="en-US" smtClean="0"/>
-              <a:t>2021-03-08</a:t>
+              <a:t>2021-03-10</a:t>
             </a:fld>
             <a:endParaRPr lang="ko-KR" altLang="en-US"/>
           </a:p>
@@ -2119,7 +2120,7 @@
           <a:p>
             <a:fld id="{097A5662-6916-43EF-9B9C-0D24F343E5A9}" type="datetimeFigureOut">
               <a:rPr lang="ko-KR" altLang="en-US" smtClean="0"/>
-              <a:t>2021-03-08</a:t>
+              <a:t>2021-03-10</a:t>
             </a:fld>
             <a:endParaRPr lang="ko-KR" altLang="en-US"/>
           </a:p>
@@ -2371,7 +2372,7 @@
           <a:p>
             <a:fld id="{097A5662-6916-43EF-9B9C-0D24F343E5A9}" type="datetimeFigureOut">
               <a:rPr lang="ko-KR" altLang="en-US" smtClean="0"/>
-              <a:t>2021-03-08</a:t>
+              <a:t>2021-03-10</a:t>
             </a:fld>
             <a:endParaRPr lang="ko-KR" altLang="en-US"/>
           </a:p>
@@ -2582,7 +2583,7 @@
           <a:p>
             <a:fld id="{097A5662-6916-43EF-9B9C-0D24F343E5A9}" type="datetimeFigureOut">
               <a:rPr lang="ko-KR" altLang="en-US" smtClean="0"/>
-              <a:t>2021-03-08</a:t>
+              <a:t>2021-03-10</a:t>
             </a:fld>
             <a:endParaRPr lang="ko-KR" altLang="en-US"/>
           </a:p>
@@ -4703,7 +4704,7 @@
         <p:spPr>
           <a:xfrm>
             <a:off x="1942457" y="1732361"/>
-            <a:ext cx="8176827" cy="4847481"/>
+            <a:ext cx="8176827" cy="4570482"/>
           </a:xfrm>
           <a:prstGeom prst="rect">
             <a:avLst/>
@@ -4829,12 +4830,18 @@
             </a:r>
             <a:r>
               <a:rPr lang="en-US" altLang="ko-KR" sz="1200" dirty="0" err="1">
+                <a:solidFill>
+                  <a:srgbClr val="FF0000"/>
+                </a:solidFill>
                 <a:latin typeface="+mn-ea"/>
               </a:rPr>
               <a:t>tm_map</a:t>
             </a:r>
             <a:r>
               <a:rPr lang="en-US" altLang="ko-KR" sz="1200" dirty="0">
+                <a:solidFill>
+                  <a:srgbClr val="FF0000"/>
+                </a:solidFill>
                 <a:latin typeface="+mn-ea"/>
               </a:rPr>
               <a:t>() </a:t>
@@ -8089,8 +8096,8 @@
         </p:blipFill>
         <p:spPr bwMode="auto">
           <a:xfrm>
-            <a:off x="3825507" y="1849319"/>
-            <a:ext cx="5536461" cy="1425511"/>
+            <a:off x="3137878" y="1716303"/>
+            <a:ext cx="2977629" cy="832593"/>
           </a:xfrm>
           <a:prstGeom prst="rect">
             <a:avLst/>
@@ -8155,6 +8162,134 @@
           <a:xfrm>
             <a:off x="1942457" y="4051005"/>
             <a:ext cx="8572140" cy="2423052"/>
+          </a:xfrm>
+          <a:prstGeom prst="rect">
+            <a:avLst/>
+          </a:prstGeom>
+          <a:noFill/>
+          <a:ln>
+            <a:noFill/>
+          </a:ln>
+          <a:effectLst/>
+          <a:extLst>
+            <a:ext uri="{909E8E84-426E-40DD-AFC4-6F175D3DCCD1}">
+              <a14:hiddenFill xmlns:a14="http://schemas.microsoft.com/office/drawing/2010/main">
+                <a:solidFill>
+                  <a:schemeClr val="accent1"/>
+                </a:solidFill>
+              </a14:hiddenFill>
+            </a:ext>
+            <a:ext uri="{91240B29-F687-4F45-9708-019B960494DF}">
+              <a14:hiddenLine xmlns:a14="http://schemas.microsoft.com/office/drawing/2010/main" w="9525">
+                <a:solidFill>
+                  <a:schemeClr val="tx1"/>
+                </a:solidFill>
+                <a:miter lim="800000"/>
+                <a:headEnd/>
+                <a:tailEnd/>
+              </a14:hiddenLine>
+            </a:ext>
+            <a:ext uri="{AF507438-7753-43E0-B8FC-AC1667EBCBE1}">
+              <a14:hiddenEffects xmlns:a14="http://schemas.microsoft.com/office/drawing/2010/main">
+                <a:effectLst>
+                  <a:outerShdw dist="35921" dir="2700000" algn="ctr" rotWithShape="0">
+                    <a:schemeClr val="bg2"/>
+                  </a:outerShdw>
+                </a:effectLst>
+              </a14:hiddenEffects>
+            </a:ext>
+          </a:extLst>
+        </p:spPr>
+      </p:pic>
+      <p:pic>
+        <p:nvPicPr>
+          <p:cNvPr id="1026" name="Picture 2"/>
+          <p:cNvPicPr>
+            <a:picLocks noChangeAspect="1" noChangeArrowheads="1"/>
+          </p:cNvPicPr>
+          <p:nvPr/>
+        </p:nvPicPr>
+        <p:blipFill>
+          <a:blip r:embed="rId4">
+            <a:extLst>
+              <a:ext uri="{28A0092B-C50C-407E-A947-70E740481C1C}">
+                <a14:useLocalDpi xmlns:a14="http://schemas.microsoft.com/office/drawing/2010/main" val="0"/>
+              </a:ext>
+            </a:extLst>
+          </a:blip>
+          <a:srcRect/>
+          <a:stretch>
+            <a:fillRect/>
+          </a:stretch>
+        </p:blipFill>
+        <p:spPr bwMode="auto">
+          <a:xfrm>
+            <a:off x="7531697" y="1587065"/>
+            <a:ext cx="3048737" cy="961831"/>
+          </a:xfrm>
+          <a:prstGeom prst="rect">
+            <a:avLst/>
+          </a:prstGeom>
+          <a:noFill/>
+          <a:ln>
+            <a:noFill/>
+          </a:ln>
+          <a:effectLst/>
+          <a:extLst>
+            <a:ext uri="{909E8E84-426E-40DD-AFC4-6F175D3DCCD1}">
+              <a14:hiddenFill xmlns:a14="http://schemas.microsoft.com/office/drawing/2010/main">
+                <a:solidFill>
+                  <a:schemeClr val="accent1"/>
+                </a:solidFill>
+              </a14:hiddenFill>
+            </a:ext>
+            <a:ext uri="{91240B29-F687-4F45-9708-019B960494DF}">
+              <a14:hiddenLine xmlns:a14="http://schemas.microsoft.com/office/drawing/2010/main" w="9525">
+                <a:solidFill>
+                  <a:schemeClr val="tx1"/>
+                </a:solidFill>
+                <a:miter lim="800000"/>
+                <a:headEnd/>
+                <a:tailEnd/>
+              </a14:hiddenLine>
+            </a:ext>
+            <a:ext uri="{AF507438-7753-43E0-B8FC-AC1667EBCBE1}">
+              <a14:hiddenEffects xmlns:a14="http://schemas.microsoft.com/office/drawing/2010/main">
+                <a:effectLst>
+                  <a:outerShdw dist="35921" dir="2700000" algn="ctr" rotWithShape="0">
+                    <a:schemeClr val="bg2"/>
+                  </a:outerShdw>
+                </a:effectLst>
+              </a14:hiddenEffects>
+            </a:ext>
+          </a:extLst>
+        </p:spPr>
+      </p:pic>
+      <p:pic>
+        <p:nvPicPr>
+          <p:cNvPr id="1027" name="Picture 3"/>
+          <p:cNvPicPr>
+            <a:picLocks noChangeAspect="1" noChangeArrowheads="1"/>
+          </p:cNvPicPr>
+          <p:nvPr/>
+        </p:nvPicPr>
+        <p:blipFill>
+          <a:blip r:embed="rId5">
+            <a:extLst>
+              <a:ext uri="{28A0092B-C50C-407E-A947-70E740481C1C}">
+                <a14:useLocalDpi xmlns:a14="http://schemas.microsoft.com/office/drawing/2010/main" val="0"/>
+              </a:ext>
+            </a:extLst>
+          </a:blip>
+          <a:srcRect/>
+          <a:stretch>
+            <a:fillRect/>
+          </a:stretch>
+        </p:blipFill>
+        <p:spPr bwMode="auto">
+          <a:xfrm>
+            <a:off x="6115507" y="2161766"/>
+            <a:ext cx="1241032" cy="1346672"/>
           </a:xfrm>
           <a:prstGeom prst="rect">
             <a:avLst/>
@@ -13751,7 +13886,19 @@
               <a:rPr lang="ko-KR" altLang="en-US" sz="1200" dirty="0">
                 <a:latin typeface="+mn-ea"/>
               </a:rPr>
-              <a:t>문서들간에 동일한 단어 또는 비슷한 단어가 얼마나 공통으로 많이 사용 </a:t>
+              <a:t>문서들간에 동일한 단어 또는 비슷한 단어가 얼마나 </a:t>
+            </a:r>
+            <a:r>
+              <a:rPr lang="ko-KR" altLang="en-US" sz="1200" dirty="0" smtClean="0">
+                <a:latin typeface="+mn-ea"/>
+              </a:rPr>
+              <a:t>공통으로 </a:t>
+            </a:r>
+            <a:r>
+              <a:rPr lang="ko-KR" altLang="en-US" sz="1200" dirty="0">
+                <a:latin typeface="+mn-ea"/>
+              </a:rPr>
+              <a:t>많이 사용 </a:t>
             </a:r>
             <a:r>
               <a:rPr lang="ko-KR" altLang="en-US" sz="1200" dirty="0" err="1">
@@ -13773,11 +13920,74 @@
             </a:r>
           </a:p>
           <a:p>
-            <a:pPr>
-              <a:lnSpc>
-                <a:spcPct val="150000"/>
-              </a:lnSpc>
-            </a:pPr>
+            <a:pPr marL="228600" indent="-228600">
+              <a:lnSpc>
+                <a:spcPct val="150000"/>
+              </a:lnSpc>
+              <a:buAutoNum type="arabicParenBoth"/>
+            </a:pPr>
+            <a:r>
+              <a:rPr lang="ko-KR" altLang="en-US" sz="1200" dirty="0" smtClean="0">
+                <a:latin typeface="+mn-ea"/>
+              </a:rPr>
+              <a:t>문서의 </a:t>
+            </a:r>
+            <a:r>
+              <a:rPr lang="ko-KR" altLang="en-US" sz="1200" dirty="0">
+                <a:latin typeface="+mn-ea"/>
+              </a:rPr>
+              <a:t>각 단어들을 수치화 하여 표현한다</a:t>
+            </a:r>
+            <a:r>
+              <a:rPr lang="en-US" altLang="ko-KR" sz="1200" dirty="0">
+                <a:latin typeface="+mn-ea"/>
+              </a:rPr>
+              <a:t>. – DTM</a:t>
+            </a:r>
+          </a:p>
+          <a:p>
+            <a:pPr marL="228600" indent="-228600">
+              <a:lnSpc>
+                <a:spcPct val="150000"/>
+              </a:lnSpc>
+              <a:buAutoNum type="arabicParenBoth"/>
+            </a:pPr>
+            <a:r>
+              <a:rPr lang="ko-KR" altLang="en-US" sz="1200" dirty="0">
+                <a:latin typeface="+mn-ea"/>
+              </a:rPr>
+              <a:t>문서간 단어들의 차이를 계산한다 </a:t>
+            </a:r>
+            <a:r>
+              <a:rPr lang="en-US" altLang="ko-KR" sz="1200" dirty="0">
+                <a:latin typeface="+mn-ea"/>
+              </a:rPr>
+              <a:t>– </a:t>
+            </a:r>
+            <a:r>
+              <a:rPr lang="ko-KR" altLang="en-US" sz="1200" dirty="0">
+                <a:latin typeface="+mn-ea"/>
+              </a:rPr>
+              <a:t>코사인 유사도</a:t>
+            </a:r>
+            <a:r>
+              <a:rPr lang="en-US" altLang="ko-KR" sz="1200" dirty="0">
+                <a:latin typeface="+mn-ea"/>
+              </a:rPr>
+              <a:t>, </a:t>
+            </a:r>
+            <a:r>
+              <a:rPr lang="ko-KR" altLang="en-US" sz="1200" dirty="0" err="1">
+                <a:latin typeface="+mn-ea"/>
+              </a:rPr>
+              <a:t>유클리드</a:t>
+            </a:r>
+            <a:r>
+              <a:rPr lang="ko-KR" altLang="en-US" sz="1200" dirty="0">
+                <a:latin typeface="+mn-ea"/>
+              </a:rPr>
+              <a:t> 거리</a:t>
+            </a:r>
             <a:endParaRPr lang="en-US" altLang="ko-KR" sz="1200" dirty="0">
               <a:latin typeface="+mn-ea"/>
             </a:endParaRPr>
@@ -13789,72 +13999,193 @@
               </a:lnSpc>
               <a:buAutoNum type="arabicParenBoth"/>
             </a:pPr>
-            <a:r>
-              <a:rPr lang="ko-KR" altLang="en-US" sz="1200" dirty="0">
-                <a:latin typeface="+mn-ea"/>
-              </a:rPr>
-              <a:t>문서의 각 단어들을 수치화 하여 표현한다</a:t>
-            </a:r>
-            <a:r>
-              <a:rPr lang="en-US" altLang="ko-KR" sz="1200" dirty="0">
-                <a:latin typeface="+mn-ea"/>
-              </a:rPr>
-              <a:t>. – DTM</a:t>
-            </a:r>
-          </a:p>
-          <a:p>
-            <a:pPr marL="228600" indent="-228600">
-              <a:lnSpc>
-                <a:spcPct val="150000"/>
-              </a:lnSpc>
-              <a:buAutoNum type="arabicParenBoth"/>
-            </a:pPr>
-            <a:r>
-              <a:rPr lang="ko-KR" altLang="en-US" sz="1200" dirty="0">
-                <a:latin typeface="+mn-ea"/>
-              </a:rPr>
-              <a:t>문서간 단어들의 차이를 계산한다 </a:t>
-            </a:r>
-            <a:r>
-              <a:rPr lang="en-US" altLang="ko-KR" sz="1200" dirty="0">
-                <a:latin typeface="+mn-ea"/>
-              </a:rPr>
-              <a:t>– </a:t>
-            </a:r>
-            <a:r>
-              <a:rPr lang="ko-KR" altLang="en-US" sz="1200" dirty="0">
-                <a:latin typeface="+mn-ea"/>
-              </a:rPr>
-              <a:t>코사인 유사도</a:t>
-            </a:r>
-            <a:r>
-              <a:rPr lang="en-US" altLang="ko-KR" sz="1200" dirty="0">
-                <a:latin typeface="+mn-ea"/>
-              </a:rPr>
-              <a:t>, </a:t>
-            </a:r>
-            <a:r>
-              <a:rPr lang="ko-KR" altLang="en-US" sz="1200" dirty="0" err="1">
-                <a:latin typeface="+mn-ea"/>
-              </a:rPr>
-              <a:t>유클리드</a:t>
-            </a:r>
-            <a:r>
-              <a:rPr lang="ko-KR" altLang="en-US" sz="1200" dirty="0">
-                <a:latin typeface="+mn-ea"/>
-              </a:rPr>
-              <a:t> 거리</a:t>
-            </a:r>
             <a:endParaRPr lang="en-US" altLang="ko-KR" sz="1200" dirty="0">
               <a:latin typeface="+mn-ea"/>
             </a:endParaRPr>
           </a:p>
           <a:p>
-            <a:pPr marL="228600" indent="-228600">
-              <a:lnSpc>
-                <a:spcPct val="150000"/>
-              </a:lnSpc>
-              <a:buAutoNum type="arabicParenBoth"/>
+            <a:pPr>
+              <a:lnSpc>
+                <a:spcPct val="150000"/>
+              </a:lnSpc>
+            </a:pPr>
+            <a:r>
+              <a:rPr lang="ko-KR" altLang="en-US" sz="1200" dirty="0">
+                <a:latin typeface="+mn-ea"/>
+              </a:rPr>
+              <a:t>코사인 유사도</a:t>
+            </a:r>
+            <a:r>
+              <a:rPr lang="en-US" altLang="ko-KR" sz="1200" dirty="0">
+                <a:latin typeface="+mn-ea"/>
+              </a:rPr>
+              <a:t>(Cosine Similarity)</a:t>
+            </a:r>
+          </a:p>
+          <a:p>
+            <a:pPr>
+              <a:lnSpc>
+                <a:spcPct val="150000"/>
+              </a:lnSpc>
+            </a:pPr>
+            <a:r>
+              <a:rPr lang="ko-KR" altLang="en-US" sz="1200" dirty="0">
+                <a:latin typeface="+mn-ea"/>
+              </a:rPr>
+              <a:t>두 벡터 간의 코사인 각도를 이용하여 </a:t>
+            </a:r>
+            <a:r>
+              <a:rPr lang="ko-KR" altLang="en-US" sz="1200" dirty="0" err="1">
+                <a:latin typeface="+mn-ea"/>
+              </a:rPr>
+              <a:t>유사도를</a:t>
+            </a:r>
+            <a:r>
+              <a:rPr lang="ko-KR" altLang="en-US" sz="1200" dirty="0">
+                <a:latin typeface="+mn-ea"/>
+              </a:rPr>
+              <a:t> 측정한다</a:t>
+            </a:r>
+            <a:r>
+              <a:rPr lang="en-US" altLang="ko-KR" sz="1200" dirty="0">
+                <a:latin typeface="+mn-ea"/>
+              </a:rPr>
+              <a:t>. </a:t>
+            </a:r>
+          </a:p>
+          <a:p>
+            <a:pPr>
+              <a:lnSpc>
+                <a:spcPct val="150000"/>
+              </a:lnSpc>
+            </a:pPr>
+            <a:r>
+              <a:rPr lang="ko-KR" altLang="en-US" sz="1200" dirty="0">
+                <a:latin typeface="+mn-ea"/>
+              </a:rPr>
+              <a:t>데이터의 코사인 </a:t>
+            </a:r>
+            <a:r>
+              <a:rPr lang="ko-KR" altLang="en-US" sz="1200" dirty="0" err="1">
+                <a:latin typeface="+mn-ea"/>
+              </a:rPr>
+              <a:t>유사도를</a:t>
+            </a:r>
+            <a:r>
+              <a:rPr lang="ko-KR" altLang="en-US" sz="1200" dirty="0">
+                <a:latin typeface="+mn-ea"/>
+              </a:rPr>
+              <a:t> 계산하여</a:t>
+            </a:r>
+            <a:r>
+              <a:rPr lang="en-US" altLang="ko-KR" sz="1200" dirty="0">
+                <a:latin typeface="+mn-ea"/>
+              </a:rPr>
+              <a:t>, </a:t>
+            </a:r>
+            <a:r>
+              <a:rPr lang="ko-KR" altLang="en-US" sz="1200" dirty="0">
+                <a:latin typeface="+mn-ea"/>
+              </a:rPr>
+              <a:t>만일 코사인 값이 크면</a:t>
+            </a:r>
+            <a:r>
+              <a:rPr lang="en-US" altLang="ko-KR" sz="1200" dirty="0">
+                <a:latin typeface="+mn-ea"/>
+              </a:rPr>
+              <a:t>, </a:t>
+            </a:r>
+            <a:r>
+              <a:rPr lang="ko-KR" altLang="en-US" sz="1200" dirty="0">
+                <a:latin typeface="+mn-ea"/>
+              </a:rPr>
+              <a:t>코사인 함수의 성질에 의해 </a:t>
+            </a:r>
+            <a:r>
+              <a:rPr lang="ko-KR" altLang="en-US" sz="1200" dirty="0" err="1">
+                <a:latin typeface="+mn-ea"/>
+              </a:rPr>
+              <a:t>사잇각은</a:t>
+            </a:r>
+            <a:r>
+              <a:rPr lang="ko-KR" altLang="en-US" sz="1200" dirty="0">
+                <a:latin typeface="+mn-ea"/>
+              </a:rPr>
+              <a:t> 작아지게 되고</a:t>
+            </a:r>
+            <a:r>
+              <a:rPr lang="en-US" altLang="ko-KR" sz="1200" dirty="0">
+                <a:latin typeface="+mn-ea"/>
+              </a:rPr>
+              <a:t>,</a:t>
+            </a:r>
+          </a:p>
+          <a:p>
+            <a:pPr>
+              <a:lnSpc>
+                <a:spcPct val="150000"/>
+              </a:lnSpc>
+            </a:pPr>
+            <a:r>
+              <a:rPr lang="ko-KR" altLang="en-US" sz="1200" dirty="0" smtClean="0">
+                <a:latin typeface="+mn-ea"/>
+              </a:rPr>
+              <a:t>그에 </a:t>
+            </a:r>
+            <a:r>
+              <a:rPr lang="ko-KR" altLang="en-US" sz="1200" dirty="0">
+                <a:latin typeface="+mn-ea"/>
+              </a:rPr>
+              <a:t>따라 </a:t>
+            </a:r>
+            <a:r>
+              <a:rPr lang="ko-KR" altLang="en-US" sz="1200" dirty="0" err="1">
+                <a:latin typeface="+mn-ea"/>
+              </a:rPr>
+              <a:t>유사도는</a:t>
+            </a:r>
+            <a:r>
+              <a:rPr lang="ko-KR" altLang="en-US" sz="1200" dirty="0">
+                <a:latin typeface="+mn-ea"/>
+              </a:rPr>
+              <a:t> 높아지게 된다</a:t>
+            </a:r>
+            <a:r>
+              <a:rPr lang="en-US" altLang="ko-KR" sz="1200" dirty="0">
+                <a:latin typeface="+mn-ea"/>
+              </a:rPr>
+              <a:t>. </a:t>
+            </a:r>
+            <a:r>
+              <a:rPr lang="en-US" altLang="ko-KR" sz="1200" dirty="0" smtClean="0">
+                <a:latin typeface="+mn-ea"/>
+              </a:rPr>
+              <a:t> </a:t>
+            </a:r>
+            <a:r>
+              <a:rPr lang="ko-KR" altLang="en-US" sz="1200" dirty="0" smtClean="0">
+                <a:latin typeface="+mn-ea"/>
+              </a:rPr>
+              <a:t>이런 </a:t>
+            </a:r>
+            <a:r>
+              <a:rPr lang="ko-KR" altLang="en-US" sz="1200" dirty="0">
+                <a:latin typeface="+mn-ea"/>
+              </a:rPr>
+              <a:t>방식으로 데이터 사이의 패턴을 분석할 수 있게 된다</a:t>
+            </a:r>
+            <a:r>
+              <a:rPr lang="en-US" altLang="ko-KR" sz="1200" dirty="0">
+                <a:latin typeface="+mn-ea"/>
+              </a:rPr>
+              <a:t>.</a:t>
+            </a:r>
+          </a:p>
+          <a:p>
+            <a:pPr>
+              <a:lnSpc>
+                <a:spcPct val="150000"/>
+              </a:lnSpc>
             </a:pPr>
             <a:endParaRPr lang="en-US" altLang="ko-KR" sz="1200" dirty="0">
               <a:latin typeface="+mn-ea"/>
@@ -13866,123 +14197,6 @@
                 <a:spcPct val="150000"/>
               </a:lnSpc>
             </a:pPr>
-            <a:r>
-              <a:rPr lang="ko-KR" altLang="en-US" sz="1200" dirty="0">
-                <a:latin typeface="+mn-ea"/>
-              </a:rPr>
-              <a:t>코사인 유사도</a:t>
-            </a:r>
-            <a:r>
-              <a:rPr lang="en-US" altLang="ko-KR" sz="1200" dirty="0">
-                <a:latin typeface="+mn-ea"/>
-              </a:rPr>
-              <a:t>(Cosine Similarity)</a:t>
-            </a:r>
-          </a:p>
-          <a:p>
-            <a:pPr>
-              <a:lnSpc>
-                <a:spcPct val="150000"/>
-              </a:lnSpc>
-            </a:pPr>
-            <a:r>
-              <a:rPr lang="ko-KR" altLang="en-US" sz="1200" dirty="0">
-                <a:latin typeface="+mn-ea"/>
-              </a:rPr>
-              <a:t>두 벡터 간의 코사인 각도를 이용하여 </a:t>
-            </a:r>
-            <a:r>
-              <a:rPr lang="ko-KR" altLang="en-US" sz="1200" dirty="0" err="1">
-                <a:latin typeface="+mn-ea"/>
-              </a:rPr>
-              <a:t>유사도를</a:t>
-            </a:r>
-            <a:r>
-              <a:rPr lang="ko-KR" altLang="en-US" sz="1200" dirty="0">
-                <a:latin typeface="+mn-ea"/>
-              </a:rPr>
-              <a:t> 측정한다</a:t>
-            </a:r>
-            <a:r>
-              <a:rPr lang="en-US" altLang="ko-KR" sz="1200" dirty="0">
-                <a:latin typeface="+mn-ea"/>
-              </a:rPr>
-              <a:t>. </a:t>
-            </a:r>
-          </a:p>
-          <a:p>
-            <a:pPr>
-              <a:lnSpc>
-                <a:spcPct val="150000"/>
-              </a:lnSpc>
-            </a:pPr>
-            <a:r>
-              <a:rPr lang="ko-KR" altLang="en-US" sz="1200" dirty="0">
-                <a:latin typeface="+mn-ea"/>
-              </a:rPr>
-              <a:t>두 벡터의 값이 완전 동일하면 </a:t>
-            </a:r>
-            <a:r>
-              <a:rPr lang="en-US" altLang="ko-KR" sz="1200" dirty="0">
-                <a:latin typeface="+mn-ea"/>
-              </a:rPr>
-              <a:t>1,  </a:t>
-            </a:r>
-            <a:r>
-              <a:rPr lang="ko-KR" altLang="en-US" sz="1200" dirty="0">
-                <a:latin typeface="+mn-ea"/>
-              </a:rPr>
-              <a:t>반대 방향이면 </a:t>
-            </a:r>
-            <a:r>
-              <a:rPr lang="en-US" altLang="ko-KR" sz="1200" dirty="0">
-                <a:latin typeface="+mn-ea"/>
-              </a:rPr>
-              <a:t>-1, 90</a:t>
-            </a:r>
-            <a:r>
-              <a:rPr lang="ko-KR" altLang="en-US" sz="1200" dirty="0">
-                <a:latin typeface="+mn-ea"/>
-              </a:rPr>
-              <a:t>도의 각을 이루면 </a:t>
-            </a:r>
-            <a:r>
-              <a:rPr lang="en-US" altLang="ko-KR" sz="1200" dirty="0">
-                <a:latin typeface="+mn-ea"/>
-              </a:rPr>
-              <a:t>0 </a:t>
-            </a:r>
-            <a:r>
-              <a:rPr lang="ko-KR" altLang="en-US" sz="1200" dirty="0" err="1">
-                <a:latin typeface="+mn-ea"/>
-              </a:rPr>
-              <a:t>이된다</a:t>
-            </a:r>
-            <a:r>
-              <a:rPr lang="en-US" altLang="ko-KR" sz="1200" dirty="0">
-                <a:latin typeface="+mn-ea"/>
-              </a:rPr>
-              <a:t>. 1</a:t>
-            </a:r>
-            <a:r>
-              <a:rPr lang="ko-KR" altLang="en-US" sz="1200" dirty="0">
-                <a:latin typeface="+mn-ea"/>
-              </a:rPr>
-              <a:t>에 가까울수록 유사도가 높다</a:t>
-            </a:r>
-            <a:r>
-              <a:rPr lang="en-US" altLang="ko-KR" sz="1200" dirty="0">
-                <a:latin typeface="+mn-ea"/>
-              </a:rPr>
-              <a:t>.</a:t>
-            </a:r>
-          </a:p>
-          <a:p>
-            <a:pPr>
-              <a:lnSpc>
-                <a:spcPct val="150000"/>
-              </a:lnSpc>
-            </a:pPr>
             <a:endParaRPr lang="en-US" altLang="ko-KR" sz="1200" dirty="0">
               <a:latin typeface="+mn-ea"/>
             </a:endParaRPr>
@@ -14013,7 +14227,7 @@
                 <a:spcPct val="150000"/>
               </a:lnSpc>
             </a:pPr>
-            <a:endParaRPr lang="en-US" altLang="ko-KR" sz="1200" dirty="0">
+            <a:endParaRPr lang="en-US" altLang="ko-KR" sz="1200" dirty="0" smtClean="0">
               <a:latin typeface="+mn-ea"/>
             </a:endParaRPr>
           </a:p>
@@ -14023,27 +14237,23 @@
                 <a:spcPct val="150000"/>
               </a:lnSpc>
             </a:pPr>
-            <a:endParaRPr lang="en-US" altLang="ko-KR" sz="1200" dirty="0">
-              <a:latin typeface="+mn-ea"/>
-            </a:endParaRPr>
-          </a:p>
-          <a:p>
-            <a:pPr>
-              <a:lnSpc>
-                <a:spcPct val="150000"/>
-              </a:lnSpc>
-            </a:pPr>
-            <a:r>
-              <a:rPr lang="ko-KR" altLang="en-US" sz="1200" dirty="0" err="1">
+            <a:r>
+              <a:rPr lang="ko-KR" altLang="en-US" sz="1200" dirty="0" err="1" smtClean="0">
                 <a:latin typeface="+mn-ea"/>
               </a:rPr>
               <a:t>유클리드</a:t>
             </a:r>
             <a:r>
+              <a:rPr lang="ko-KR" altLang="en-US" sz="1200" dirty="0" smtClean="0">
+                <a:latin typeface="+mn-ea"/>
+              </a:rPr>
+              <a:t> </a:t>
+            </a:r>
+            <a:r>
               <a:rPr lang="ko-KR" altLang="en-US" sz="1200" dirty="0">
                 <a:latin typeface="+mn-ea"/>
               </a:rPr>
-              <a:t> 거리</a:t>
+              <a:t>거리</a:t>
             </a:r>
             <a:r>
               <a:rPr lang="en-US" altLang="ko-KR" sz="1200" dirty="0">
@@ -14139,8 +14349,8 @@
         </p:blipFill>
         <p:spPr bwMode="auto">
           <a:xfrm>
-            <a:off x="8039100" y="1751517"/>
-            <a:ext cx="2625090" cy="2154555"/>
+            <a:off x="8207350" y="1530809"/>
+            <a:ext cx="2625090" cy="1775662"/>
           </a:xfrm>
           <a:prstGeom prst="rect">
             <a:avLst/>
@@ -14191,56 +14401,8 @@
         </p:blipFill>
         <p:spPr>
           <a:xfrm>
-            <a:off x="2294573" y="6046787"/>
-            <a:ext cx="4581525" cy="619125"/>
-          </a:xfrm>
-          <a:prstGeom prst="rect">
-            <a:avLst/>
-          </a:prstGeom>
-        </p:spPr>
-      </p:pic>
-      <p:pic>
-        <p:nvPicPr>
-          <p:cNvPr id="10" name="그림 9"/>
-          <p:cNvPicPr>
-            <a:picLocks noChangeAspect="1"/>
-          </p:cNvPicPr>
-          <p:nvPr/>
-        </p:nvPicPr>
-        <p:blipFill>
-          <a:blip r:embed="rId5"/>
-          <a:stretch>
-            <a:fillRect/>
-          </a:stretch>
-        </p:blipFill>
-        <p:spPr>
-          <a:xfrm>
-            <a:off x="2164252" y="3924300"/>
-            <a:ext cx="3995738" cy="1082866"/>
-          </a:xfrm>
-          <a:prstGeom prst="rect">
-            <a:avLst/>
-          </a:prstGeom>
-        </p:spPr>
-      </p:pic>
-      <p:pic>
-        <p:nvPicPr>
-          <p:cNvPr id="12" name="그림 11"/>
-          <p:cNvPicPr>
-            <a:picLocks noChangeAspect="1"/>
-          </p:cNvPicPr>
-          <p:nvPr/>
-        </p:nvPicPr>
-        <p:blipFill>
-          <a:blip r:embed="rId6"/>
-          <a:stretch>
-            <a:fillRect/>
-          </a:stretch>
-        </p:blipFill>
-        <p:spPr>
-          <a:xfrm>
-            <a:off x="6498431" y="3924300"/>
-            <a:ext cx="3652838" cy="742950"/>
+            <a:off x="2294573" y="6152083"/>
+            <a:ext cx="4581525" cy="513829"/>
           </a:xfrm>
           <a:prstGeom prst="rect">
             <a:avLst/>
@@ -14251,6 +14413,199 @@
         <p:nvPicPr>
           <p:cNvPr id="13" name="그림 12"/>
           <p:cNvPicPr/>
+          <p:nvPr/>
+        </p:nvPicPr>
+        <p:blipFill>
+          <a:blip r:embed="rId5">
+            <a:extLst>
+              <a:ext uri="{28A0092B-C50C-407E-A947-70E740481C1C}">
+                <a14:useLocalDpi xmlns:a14="http://schemas.microsoft.com/office/drawing/2010/main" val="0"/>
+              </a:ext>
+            </a:extLst>
+          </a:blip>
+          <a:srcRect/>
+          <a:stretch>
+            <a:fillRect/>
+          </a:stretch>
+        </p:blipFill>
+        <p:spPr bwMode="auto">
+          <a:xfrm>
+            <a:off x="7224554" y="5058090"/>
+            <a:ext cx="2926715" cy="1803443"/>
+          </a:xfrm>
+          <a:prstGeom prst="rect">
+            <a:avLst/>
+          </a:prstGeom>
+          <a:noFill/>
+          <a:ln>
+            <a:noFill/>
+          </a:ln>
+        </p:spPr>
+      </p:pic>
+      <p:sp>
+        <p:nvSpPr>
+          <p:cNvPr id="6" name="AutoShape 2" descr="코사인 함수 - 그래프"/>
+          <p:cNvSpPr>
+            <a:spLocks noChangeAspect="1" noChangeArrowheads="1"/>
+          </p:cNvSpPr>
+          <p:nvPr/>
+        </p:nvSpPr>
+        <p:spPr bwMode="auto">
+          <a:xfrm>
+            <a:off x="168275" y="-144463"/>
+            <a:ext cx="304800" cy="304801"/>
+          </a:xfrm>
+          <a:prstGeom prst="rect">
+            <a:avLst/>
+          </a:prstGeom>
+          <a:noFill/>
+          <a:extLst>
+            <a:ext uri="{909E8E84-426E-40DD-AFC4-6F175D3DCCD1}">
+              <a14:hiddenFill xmlns:a14="http://schemas.microsoft.com/office/drawing/2010/main">
+                <a:solidFill>
+                  <a:srgbClr val="FFFFFF"/>
+                </a:solidFill>
+              </a14:hiddenFill>
+            </a:ext>
+          </a:extLst>
+        </p:spPr>
+        <p:txBody>
+          <a:bodyPr vert="horz" wrap="square" lIns="91440" tIns="45720" rIns="91440" bIns="45720" numCol="1" anchor="t" anchorCtr="0" compatLnSpc="1">
+            <a:prstTxWarp prst="textNoShape">
+              <a:avLst/>
+            </a:prstTxWarp>
+          </a:bodyPr>
+          <a:lstStyle/>
+          <a:p>
+            <a:endParaRPr lang="ko-KR" altLang="en-US"/>
+          </a:p>
+        </p:txBody>
+      </p:sp>
+      <p:sp>
+        <p:nvSpPr>
+          <p:cNvPr id="14" name="AutoShape 4" descr="코사인 함수 - 그래프"/>
+          <p:cNvSpPr>
+            <a:spLocks noChangeAspect="1" noChangeArrowheads="1"/>
+          </p:cNvSpPr>
+          <p:nvPr/>
+        </p:nvSpPr>
+        <p:spPr bwMode="auto">
+          <a:xfrm>
+            <a:off x="320675" y="7937"/>
+            <a:ext cx="304800" cy="304801"/>
+          </a:xfrm>
+          <a:prstGeom prst="rect">
+            <a:avLst/>
+          </a:prstGeom>
+          <a:noFill/>
+          <a:extLst>
+            <a:ext uri="{909E8E84-426E-40DD-AFC4-6F175D3DCCD1}">
+              <a14:hiddenFill xmlns:a14="http://schemas.microsoft.com/office/drawing/2010/main">
+                <a:solidFill>
+                  <a:srgbClr val="FFFFFF"/>
+                </a:solidFill>
+              </a14:hiddenFill>
+            </a:ext>
+          </a:extLst>
+        </p:spPr>
+        <p:txBody>
+          <a:bodyPr vert="horz" wrap="square" lIns="91440" tIns="45720" rIns="91440" bIns="45720" numCol="1" anchor="t" anchorCtr="0" compatLnSpc="1">
+            <a:prstTxWarp prst="textNoShape">
+              <a:avLst/>
+            </a:prstTxWarp>
+          </a:bodyPr>
+          <a:lstStyle/>
+          <a:p>
+            <a:endParaRPr lang="ko-KR" altLang="en-US"/>
+          </a:p>
+        </p:txBody>
+      </p:sp>
+      <p:sp>
+        <p:nvSpPr>
+          <p:cNvPr id="15" name="AutoShape 6" descr="코사인 함수 - 그래프"/>
+          <p:cNvSpPr>
+            <a:spLocks noChangeAspect="1" noChangeArrowheads="1"/>
+          </p:cNvSpPr>
+          <p:nvPr/>
+        </p:nvSpPr>
+        <p:spPr bwMode="auto">
+          <a:xfrm>
+            <a:off x="473075" y="160337"/>
+            <a:ext cx="304800" cy="304801"/>
+          </a:xfrm>
+          <a:prstGeom prst="rect">
+            <a:avLst/>
+          </a:prstGeom>
+          <a:noFill/>
+          <a:extLst>
+            <a:ext uri="{909E8E84-426E-40DD-AFC4-6F175D3DCCD1}">
+              <a14:hiddenFill xmlns:a14="http://schemas.microsoft.com/office/drawing/2010/main">
+                <a:solidFill>
+                  <a:srgbClr val="FFFFFF"/>
+                </a:solidFill>
+              </a14:hiddenFill>
+            </a:ext>
+          </a:extLst>
+        </p:spPr>
+        <p:txBody>
+          <a:bodyPr vert="horz" wrap="square" lIns="91440" tIns="45720" rIns="91440" bIns="45720" numCol="1" anchor="t" anchorCtr="0" compatLnSpc="1">
+            <a:prstTxWarp prst="textNoShape">
+              <a:avLst/>
+            </a:prstTxWarp>
+          </a:bodyPr>
+          <a:lstStyle/>
+          <a:p>
+            <a:endParaRPr lang="ko-KR" altLang="en-US"/>
+          </a:p>
+        </p:txBody>
+      </p:sp>
+      <p:pic>
+        <p:nvPicPr>
+          <p:cNvPr id="1032" name="Picture 8" descr="그림입니다.&#10;원본 그림의 이름: CLP00003aa00001.bmp&#10;원본 그림의 크기: 가로 852pixel, 세로 383pixel"/>
+          <p:cNvPicPr>
+            <a:picLocks noChangeAspect="1" noChangeArrowheads="1"/>
+          </p:cNvPicPr>
+          <p:nvPr/>
+        </p:nvPicPr>
+        <p:blipFill>
+          <a:blip r:embed="rId6">
+            <a:extLst>
+              <a:ext uri="{28A0092B-C50C-407E-A947-70E740481C1C}">
+                <a14:useLocalDpi xmlns:a14="http://schemas.microsoft.com/office/drawing/2010/main" val="0"/>
+              </a:ext>
+            </a:extLst>
+          </a:blip>
+          <a:srcRect/>
+          <a:stretch>
+            <a:fillRect/>
+          </a:stretch>
+        </p:blipFill>
+        <p:spPr bwMode="auto">
+          <a:xfrm>
+            <a:off x="2294573" y="3902353"/>
+            <a:ext cx="4142803" cy="1221573"/>
+          </a:xfrm>
+          <a:prstGeom prst="rect">
+            <a:avLst/>
+          </a:prstGeom>
+          <a:noFill/>
+          <a:extLst>
+            <a:ext uri="{909E8E84-426E-40DD-AFC4-6F175D3DCCD1}">
+              <a14:hiddenFill xmlns:a14="http://schemas.microsoft.com/office/drawing/2010/main">
+                <a:solidFill>
+                  <a:srgbClr val="FFFFFF"/>
+                </a:solidFill>
+              </a14:hiddenFill>
+            </a:ext>
+          </a:extLst>
+        </p:spPr>
+      </p:pic>
+      <p:pic>
+        <p:nvPicPr>
+          <p:cNvPr id="1034" name="Picture 10" descr="그림입니다.&#10;원본 그림의 이름: CLP000033bc0003.bmp&#10;원본 그림의 크기: 가로 647pixel, 세로 395pixel"/>
+          <p:cNvPicPr>
+            <a:picLocks noChangeAspect="1" noChangeArrowheads="1"/>
+          </p:cNvPicPr>
           <p:nvPr/>
         </p:nvPicPr>
         <p:blipFill>
@@ -14268,16 +14623,22 @@
         </p:blipFill>
         <p:spPr bwMode="auto">
           <a:xfrm>
-            <a:off x="7224554" y="4706978"/>
-            <a:ext cx="2926715" cy="2154555"/>
+            <a:off x="7489332" y="3595633"/>
+            <a:ext cx="2397157" cy="1462457"/>
           </a:xfrm>
           <a:prstGeom prst="rect">
             <a:avLst/>
           </a:prstGeom>
           <a:noFill/>
-          <a:ln>
-            <a:noFill/>
-          </a:ln>
+          <a:extLst>
+            <a:ext uri="{909E8E84-426E-40DD-AFC4-6F175D3DCCD1}">
+              <a14:hiddenFill xmlns:a14="http://schemas.microsoft.com/office/drawing/2010/main">
+                <a:solidFill>
+                  <a:srgbClr val="FFFFFF"/>
+                </a:solidFill>
+              </a14:hiddenFill>
+            </a:ext>
+          </a:extLst>
         </p:spPr>
       </p:pic>
     </p:spTree>
@@ -14479,6 +14840,512 @@
             <a:fld id="{6AE8F7B5-BC09-45E7-8191-D02D6C7021BF}" type="slidenum">
               <a:rPr lang="ko-KR" altLang="en-US" smtClean="0"/>
               <a:t>25</a:t>
+            </a:fld>
+            <a:endParaRPr lang="ko-KR" altLang="en-US"/>
+          </a:p>
+        </p:txBody>
+      </p:sp>
+      <p:sp>
+        <p:nvSpPr>
+          <p:cNvPr id="2" name="TextBox 1"/>
+          <p:cNvSpPr txBox="1"/>
+          <p:nvPr/>
+        </p:nvSpPr>
+        <p:spPr>
+          <a:xfrm>
+            <a:off x="1633933" y="1107846"/>
+            <a:ext cx="6836625" cy="369332"/>
+          </a:xfrm>
+          <a:prstGeom prst="rect">
+            <a:avLst/>
+          </a:prstGeom>
+          <a:noFill/>
+        </p:spPr>
+        <p:txBody>
+          <a:bodyPr wrap="square" rtlCol="0">
+            <a:spAutoFit/>
+          </a:bodyPr>
+          <a:lstStyle/>
+          <a:p>
+            <a:r>
+              <a:rPr lang="en-US" altLang="ko-KR" b="1" dirty="0"/>
+              <a:t>4. </a:t>
+            </a:r>
+            <a:r>
+              <a:rPr lang="ko-KR" altLang="en-US" b="1" dirty="0"/>
+              <a:t>문서간 유사도 분석</a:t>
+            </a:r>
+            <a:endParaRPr lang="en-US" altLang="ko-KR" b="1" dirty="0"/>
+          </a:p>
+        </p:txBody>
+      </p:sp>
+      <p:sp>
+        <p:nvSpPr>
+          <p:cNvPr id="6" name="AutoShape 2" descr="코사인 함수 - 그래프"/>
+          <p:cNvSpPr>
+            <a:spLocks noChangeAspect="1" noChangeArrowheads="1"/>
+          </p:cNvSpPr>
+          <p:nvPr/>
+        </p:nvSpPr>
+        <p:spPr bwMode="auto">
+          <a:xfrm>
+            <a:off x="168275" y="-144463"/>
+            <a:ext cx="304800" cy="304801"/>
+          </a:xfrm>
+          <a:prstGeom prst="rect">
+            <a:avLst/>
+          </a:prstGeom>
+          <a:noFill/>
+          <a:extLst>
+            <a:ext uri="{909E8E84-426E-40DD-AFC4-6F175D3DCCD1}">
+              <a14:hiddenFill xmlns:a14="http://schemas.microsoft.com/office/drawing/2010/main">
+                <a:solidFill>
+                  <a:srgbClr val="FFFFFF"/>
+                </a:solidFill>
+              </a14:hiddenFill>
+            </a:ext>
+          </a:extLst>
+        </p:spPr>
+        <p:txBody>
+          <a:bodyPr vert="horz" wrap="square" lIns="91440" tIns="45720" rIns="91440" bIns="45720" numCol="1" anchor="t" anchorCtr="0" compatLnSpc="1">
+            <a:prstTxWarp prst="textNoShape">
+              <a:avLst/>
+            </a:prstTxWarp>
+          </a:bodyPr>
+          <a:lstStyle/>
+          <a:p>
+            <a:endParaRPr lang="ko-KR" altLang="en-US"/>
+          </a:p>
+        </p:txBody>
+      </p:sp>
+      <p:sp>
+        <p:nvSpPr>
+          <p:cNvPr id="14" name="AutoShape 4" descr="코사인 함수 - 그래프"/>
+          <p:cNvSpPr>
+            <a:spLocks noChangeAspect="1" noChangeArrowheads="1"/>
+          </p:cNvSpPr>
+          <p:nvPr/>
+        </p:nvSpPr>
+        <p:spPr bwMode="auto">
+          <a:xfrm>
+            <a:off x="320675" y="7937"/>
+            <a:ext cx="304800" cy="304801"/>
+          </a:xfrm>
+          <a:prstGeom prst="rect">
+            <a:avLst/>
+          </a:prstGeom>
+          <a:noFill/>
+          <a:extLst>
+            <a:ext uri="{909E8E84-426E-40DD-AFC4-6F175D3DCCD1}">
+              <a14:hiddenFill xmlns:a14="http://schemas.microsoft.com/office/drawing/2010/main">
+                <a:solidFill>
+                  <a:srgbClr val="FFFFFF"/>
+                </a:solidFill>
+              </a14:hiddenFill>
+            </a:ext>
+          </a:extLst>
+        </p:spPr>
+        <p:txBody>
+          <a:bodyPr vert="horz" wrap="square" lIns="91440" tIns="45720" rIns="91440" bIns="45720" numCol="1" anchor="t" anchorCtr="0" compatLnSpc="1">
+            <a:prstTxWarp prst="textNoShape">
+              <a:avLst/>
+            </a:prstTxWarp>
+          </a:bodyPr>
+          <a:lstStyle/>
+          <a:p>
+            <a:endParaRPr lang="ko-KR" altLang="en-US"/>
+          </a:p>
+        </p:txBody>
+      </p:sp>
+      <p:sp>
+        <p:nvSpPr>
+          <p:cNvPr id="15" name="AutoShape 6" descr="코사인 함수 - 그래프"/>
+          <p:cNvSpPr>
+            <a:spLocks noChangeAspect="1" noChangeArrowheads="1"/>
+          </p:cNvSpPr>
+          <p:nvPr/>
+        </p:nvSpPr>
+        <p:spPr bwMode="auto">
+          <a:xfrm>
+            <a:off x="473075" y="160337"/>
+            <a:ext cx="304800" cy="304801"/>
+          </a:xfrm>
+          <a:prstGeom prst="rect">
+            <a:avLst/>
+          </a:prstGeom>
+          <a:noFill/>
+          <a:extLst>
+            <a:ext uri="{909E8E84-426E-40DD-AFC4-6F175D3DCCD1}">
+              <a14:hiddenFill xmlns:a14="http://schemas.microsoft.com/office/drawing/2010/main">
+                <a:solidFill>
+                  <a:srgbClr val="FFFFFF"/>
+                </a:solidFill>
+              </a14:hiddenFill>
+            </a:ext>
+          </a:extLst>
+        </p:spPr>
+        <p:txBody>
+          <a:bodyPr vert="horz" wrap="square" lIns="91440" tIns="45720" rIns="91440" bIns="45720" numCol="1" anchor="t" anchorCtr="0" compatLnSpc="1">
+            <a:prstTxWarp prst="textNoShape">
+              <a:avLst/>
+            </a:prstTxWarp>
+          </a:bodyPr>
+          <a:lstStyle/>
+          <a:p>
+            <a:endParaRPr lang="ko-KR" altLang="en-US"/>
+          </a:p>
+        </p:txBody>
+      </p:sp>
+      <p:sp>
+        <p:nvSpPr>
+          <p:cNvPr id="16" name="직사각형 15"/>
+          <p:cNvSpPr/>
+          <p:nvPr/>
+        </p:nvSpPr>
+        <p:spPr>
+          <a:xfrm>
+            <a:off x="1904420" y="1890673"/>
+            <a:ext cx="4126451" cy="276999"/>
+          </a:xfrm>
+          <a:prstGeom prst="rect">
+            <a:avLst/>
+          </a:prstGeom>
+        </p:spPr>
+        <p:txBody>
+          <a:bodyPr wrap="none">
+            <a:spAutoFit/>
+          </a:bodyPr>
+          <a:lstStyle/>
+          <a:p>
+            <a:r>
+              <a:rPr lang="ko-KR" altLang="ko-KR" sz="1200" dirty="0"/>
+              <a:t>코사인 거리</a:t>
+            </a:r>
+            <a:r>
+              <a:rPr lang="en-US" altLang="ko-KR" sz="1200" dirty="0"/>
+              <a:t>(Cosine Distance)</a:t>
+            </a:r>
+            <a:r>
+              <a:rPr lang="ko-KR" altLang="ko-KR" sz="1200" dirty="0"/>
+              <a:t>는</a:t>
+            </a:r>
+            <a:r>
+              <a:rPr lang="en-US" altLang="ko-KR" sz="1200" dirty="0"/>
+              <a:t> '1 - </a:t>
+            </a:r>
+            <a:r>
+              <a:rPr lang="ko-KR" altLang="ko-KR" sz="1200" dirty="0"/>
+              <a:t>코사인 유사도</a:t>
+            </a:r>
+            <a:r>
+              <a:rPr lang="en-US" altLang="ko-KR" sz="1200" dirty="0"/>
+              <a:t>(Cosine Similarity)' </a:t>
+            </a:r>
+            <a:r>
+              <a:rPr lang="ko-KR" altLang="ko-KR" sz="1200" dirty="0"/>
+              <a:t>로 계산</a:t>
+            </a:r>
+          </a:p>
+        </p:txBody>
+      </p:sp>
+      <p:pic>
+        <p:nvPicPr>
+          <p:cNvPr id="18" name="그림 17"/>
+          <p:cNvPicPr/>
+          <p:nvPr/>
+        </p:nvPicPr>
+        <p:blipFill>
+          <a:blip r:embed="rId2">
+            <a:extLst>
+              <a:ext uri="{28A0092B-C50C-407E-A947-70E740481C1C}">
+                <a14:useLocalDpi xmlns:a14="http://schemas.microsoft.com/office/drawing/2010/main" val="0"/>
+              </a:ext>
+            </a:extLst>
+          </a:blip>
+          <a:srcRect/>
+          <a:stretch>
+            <a:fillRect/>
+          </a:stretch>
+        </p:blipFill>
+        <p:spPr bwMode="auto">
+          <a:xfrm>
+            <a:off x="1809301" y="2372160"/>
+            <a:ext cx="4360214" cy="2719219"/>
+          </a:xfrm>
+          <a:prstGeom prst="rect">
+            <a:avLst/>
+          </a:prstGeom>
+          <a:noFill/>
+          <a:ln>
+            <a:noFill/>
+          </a:ln>
+        </p:spPr>
+      </p:pic>
+      <p:pic>
+        <p:nvPicPr>
+          <p:cNvPr id="17" name="그림 16"/>
+          <p:cNvPicPr/>
+          <p:nvPr/>
+        </p:nvPicPr>
+        <p:blipFill>
+          <a:blip r:embed="rId3">
+            <a:extLst>
+              <a:ext uri="{28A0092B-C50C-407E-A947-70E740481C1C}">
+                <a14:useLocalDpi xmlns:a14="http://schemas.microsoft.com/office/drawing/2010/main" val="0"/>
+              </a:ext>
+            </a:extLst>
+          </a:blip>
+          <a:srcRect/>
+          <a:stretch>
+            <a:fillRect/>
+          </a:stretch>
+        </p:blipFill>
+        <p:spPr bwMode="auto">
+          <a:xfrm>
+            <a:off x="6649708" y="1777595"/>
+            <a:ext cx="3934307" cy="594566"/>
+          </a:xfrm>
+          <a:prstGeom prst="rect">
+            <a:avLst/>
+          </a:prstGeom>
+          <a:noFill/>
+          <a:ln>
+            <a:noFill/>
+          </a:ln>
+        </p:spPr>
+      </p:pic>
+      <p:pic>
+        <p:nvPicPr>
+          <p:cNvPr id="19" name="그림 18"/>
+          <p:cNvPicPr/>
+          <p:nvPr/>
+        </p:nvPicPr>
+        <p:blipFill>
+          <a:blip r:embed="rId4">
+            <a:extLst>
+              <a:ext uri="{28A0092B-C50C-407E-A947-70E740481C1C}">
+                <a14:useLocalDpi xmlns:a14="http://schemas.microsoft.com/office/drawing/2010/main" val="0"/>
+              </a:ext>
+            </a:extLst>
+          </a:blip>
+          <a:srcRect/>
+          <a:stretch>
+            <a:fillRect/>
+          </a:stretch>
+        </p:blipFill>
+        <p:spPr bwMode="auto">
+          <a:xfrm>
+            <a:off x="7238633" y="2814206"/>
+            <a:ext cx="3009962" cy="3052584"/>
+          </a:xfrm>
+          <a:prstGeom prst="rect">
+            <a:avLst/>
+          </a:prstGeom>
+          <a:noFill/>
+          <a:ln>
+            <a:noFill/>
+          </a:ln>
+        </p:spPr>
+      </p:pic>
+    </p:spTree>
+    <p:extLst>
+      <p:ext uri="{BB962C8B-B14F-4D97-AF65-F5344CB8AC3E}">
+        <p14:creationId xmlns:p14="http://schemas.microsoft.com/office/powerpoint/2010/main" val="311242609"/>
+      </p:ext>
+    </p:extLst>
+  </p:cSld>
+  <p:clrMapOvr>
+    <a:masterClrMapping/>
+  </p:clrMapOvr>
+</p:sld>
+</file>
+
+<file path=ppt/slides/slide26.xml><?xml version="1.0" encoding="utf-8"?>
+<p:sld xmlns:a="http://schemas.openxmlformats.org/drawingml/2006/main" xmlns:r="http://schemas.openxmlformats.org/officeDocument/2006/relationships" xmlns:p="http://schemas.openxmlformats.org/presentationml/2006/main">
+  <p:cSld>
+    <p:spTree>
+      <p:nvGrpSpPr>
+        <p:cNvPr id="1" name=""/>
+        <p:cNvGrpSpPr/>
+        <p:nvPr/>
+      </p:nvGrpSpPr>
+      <p:grpSpPr>
+        <a:xfrm>
+          <a:off x="0" y="0"/>
+          <a:ext cx="0" cy="0"/>
+          <a:chOff x="0" y="0"/>
+          <a:chExt cx="0" cy="0"/>
+        </a:xfrm>
+      </p:grpSpPr>
+      <p:sp>
+        <p:nvSpPr>
+          <p:cNvPr id="9" name="직사각형 8"/>
+          <p:cNvSpPr/>
+          <p:nvPr/>
+        </p:nvSpPr>
+        <p:spPr>
+          <a:xfrm>
+            <a:off x="1547146" y="265092"/>
+            <a:ext cx="8967451" cy="648072"/>
+          </a:xfrm>
+          <a:prstGeom prst="rect">
+            <a:avLst/>
+          </a:prstGeom>
+          <a:solidFill>
+            <a:schemeClr val="accent1">
+              <a:lumMod val="75000"/>
+            </a:schemeClr>
+          </a:solidFill>
+          <a:ln w="19050">
+            <a:noFill/>
+          </a:ln>
+          <a:effectLst>
+            <a:outerShdw blurRad="50800" dist="50800" dir="5400000" algn="ctr" rotWithShape="0">
+              <a:srgbClr val="000000">
+                <a:alpha val="0"/>
+              </a:srgbClr>
+            </a:outerShdw>
+          </a:effectLst>
+        </p:spPr>
+        <p:style>
+          <a:lnRef idx="2">
+            <a:schemeClr val="accent1">
+              <a:shade val="50000"/>
+            </a:schemeClr>
+          </a:lnRef>
+          <a:fillRef idx="1">
+            <a:schemeClr val="accent1"/>
+          </a:fillRef>
+          <a:effectRef idx="0">
+            <a:schemeClr val="accent1"/>
+          </a:effectRef>
+          <a:fontRef idx="minor">
+            <a:schemeClr val="lt1"/>
+          </a:fontRef>
+        </p:style>
+        <p:txBody>
+          <a:bodyPr rtlCol="0" anchor="ctr"/>
+          <a:lstStyle/>
+          <a:p>
+            <a:r>
+              <a:rPr lang="en-US" altLang="ko-KR" sz="1400" b="1" dirty="0">
+                <a:solidFill>
+                  <a:schemeClr val="tx1">
+                    <a:lumMod val="50000"/>
+                    <a:lumOff val="50000"/>
+                  </a:schemeClr>
+                </a:solidFill>
+                <a:latin typeface="옥션고딕 M" pitchFamily="2" charset="-127"/>
+                <a:ea typeface="옥션고딕 M" pitchFamily="2" charset="-127"/>
+              </a:rPr>
+              <a:t> </a:t>
+            </a:r>
+            <a:r>
+              <a:rPr lang="en-US" altLang="ko-KR" sz="2000" b="1" dirty="0">
+                <a:solidFill>
+                  <a:schemeClr val="bg1"/>
+                </a:solidFill>
+                <a:latin typeface="나눔고딕 ExtraBold" pitchFamily="50" charset="-127"/>
+                <a:ea typeface="나눔고딕 ExtraBold" pitchFamily="50" charset="-127"/>
+              </a:rPr>
+              <a:t> </a:t>
+            </a:r>
+            <a:r>
+              <a:rPr lang="ko-KR" altLang="en-US" sz="2000" b="1" dirty="0">
+                <a:solidFill>
+                  <a:schemeClr val="bg1"/>
+                </a:solidFill>
+                <a:latin typeface="나눔고딕 ExtraBold" pitchFamily="50" charset="-127"/>
+                <a:ea typeface="나눔고딕 ExtraBold" pitchFamily="50" charset="-127"/>
+              </a:rPr>
+              <a:t>텍스트 </a:t>
+            </a:r>
+            <a:r>
+              <a:rPr lang="ko-KR" altLang="en-US" sz="2000" b="1" dirty="0" err="1">
+                <a:solidFill>
+                  <a:schemeClr val="bg1"/>
+                </a:solidFill>
+                <a:latin typeface="나눔고딕 ExtraBold" pitchFamily="50" charset="-127"/>
+                <a:ea typeface="나눔고딕 ExtraBold" pitchFamily="50" charset="-127"/>
+              </a:rPr>
+              <a:t>마이닝</a:t>
+            </a:r>
+            <a:endParaRPr lang="ko-KR" altLang="en-US" sz="2000" b="1" dirty="0">
+              <a:solidFill>
+                <a:schemeClr val="bg1"/>
+              </a:solidFill>
+              <a:latin typeface="나눔고딕 ExtraBold" pitchFamily="50" charset="-127"/>
+              <a:ea typeface="나눔고딕 ExtraBold" pitchFamily="50" charset="-127"/>
+            </a:endParaRPr>
+          </a:p>
+        </p:txBody>
+      </p:sp>
+      <p:sp>
+        <p:nvSpPr>
+          <p:cNvPr id="5" name="직사각형 4"/>
+          <p:cNvSpPr/>
+          <p:nvPr/>
+        </p:nvSpPr>
+        <p:spPr>
+          <a:xfrm>
+            <a:off x="1633934" y="418286"/>
+            <a:ext cx="9071163" cy="482117"/>
+          </a:xfrm>
+          <a:prstGeom prst="rect">
+            <a:avLst/>
+          </a:prstGeom>
+          <a:noFill/>
+          <a:ln>
+            <a:noFill/>
+          </a:ln>
+        </p:spPr>
+        <p:style>
+          <a:lnRef idx="2">
+            <a:schemeClr val="accent1">
+              <a:shade val="50000"/>
+            </a:schemeClr>
+          </a:lnRef>
+          <a:fillRef idx="1">
+            <a:schemeClr val="accent1"/>
+          </a:fillRef>
+          <a:effectRef idx="0">
+            <a:schemeClr val="accent1"/>
+          </a:effectRef>
+          <a:fontRef idx="minor">
+            <a:schemeClr val="lt1"/>
+          </a:fontRef>
+        </p:style>
+        <p:txBody>
+          <a:bodyPr rtlCol="0" anchor="ctr"/>
+          <a:lstStyle/>
+          <a:p>
+            <a:endParaRPr lang="ko-KR" altLang="en-US" sz="1000" b="1" dirty="0">
+              <a:solidFill>
+                <a:schemeClr val="bg1"/>
+              </a:solidFill>
+              <a:latin typeface="맑은 고딕" panose="020B0503020000020004" pitchFamily="50" charset="-127"/>
+            </a:endParaRPr>
+          </a:p>
+        </p:txBody>
+      </p:sp>
+      <p:sp>
+        <p:nvSpPr>
+          <p:cNvPr id="8" name="슬라이드 번호 개체 틀 7"/>
+          <p:cNvSpPr>
+            <a:spLocks noGrp="1"/>
+          </p:cNvSpPr>
+          <p:nvPr>
+            <p:ph type="sldNum" sz="quarter" idx="12"/>
+          </p:nvPr>
+        </p:nvSpPr>
+        <p:spPr/>
+        <p:txBody>
+          <a:bodyPr/>
+          <a:lstStyle/>
+          <a:p>
+            <a:fld id="{6AE8F7B5-BC09-45E7-8191-D02D6C7021BF}" type="slidenum">
+              <a:rPr lang="ko-KR" altLang="en-US" smtClean="0"/>
+              <a:t>26</a:t>
             </a:fld>
             <a:endParaRPr lang="ko-KR" altLang="en-US"/>
           </a:p>
@@ -15074,935 +15941,6 @@
 </p:sld>
 </file>
 
-<file path=ppt/slides/slide26.xml><?xml version="1.0" encoding="utf-8"?>
-<p:sld xmlns:a="http://schemas.openxmlformats.org/drawingml/2006/main" xmlns:r="http://schemas.openxmlformats.org/officeDocument/2006/relationships" xmlns:p="http://schemas.openxmlformats.org/presentationml/2006/main">
-  <p:cSld>
-    <p:spTree>
-      <p:nvGrpSpPr>
-        <p:cNvPr id="1" name=""/>
-        <p:cNvGrpSpPr/>
-        <p:nvPr/>
-      </p:nvGrpSpPr>
-      <p:grpSpPr>
-        <a:xfrm>
-          <a:off x="0" y="0"/>
-          <a:ext cx="0" cy="0"/>
-          <a:chOff x="0" y="0"/>
-          <a:chExt cx="0" cy="0"/>
-        </a:xfrm>
-      </p:grpSpPr>
-      <p:sp>
-        <p:nvSpPr>
-          <p:cNvPr id="9" name="직사각형 8"/>
-          <p:cNvSpPr/>
-          <p:nvPr/>
-        </p:nvSpPr>
-        <p:spPr>
-          <a:xfrm>
-            <a:off x="1547146" y="265092"/>
-            <a:ext cx="8967451" cy="648072"/>
-          </a:xfrm>
-          <a:prstGeom prst="rect">
-            <a:avLst/>
-          </a:prstGeom>
-          <a:solidFill>
-            <a:schemeClr val="accent1">
-              <a:lumMod val="75000"/>
-            </a:schemeClr>
-          </a:solidFill>
-          <a:ln w="19050">
-            <a:noFill/>
-          </a:ln>
-          <a:effectLst>
-            <a:outerShdw blurRad="50800" dist="50800" dir="5400000" algn="ctr" rotWithShape="0">
-              <a:srgbClr val="000000">
-                <a:alpha val="0"/>
-              </a:srgbClr>
-            </a:outerShdw>
-          </a:effectLst>
-        </p:spPr>
-        <p:style>
-          <a:lnRef idx="2">
-            <a:schemeClr val="accent1">
-              <a:shade val="50000"/>
-            </a:schemeClr>
-          </a:lnRef>
-          <a:fillRef idx="1">
-            <a:schemeClr val="accent1"/>
-          </a:fillRef>
-          <a:effectRef idx="0">
-            <a:schemeClr val="accent1"/>
-          </a:effectRef>
-          <a:fontRef idx="minor">
-            <a:schemeClr val="lt1"/>
-          </a:fontRef>
-        </p:style>
-        <p:txBody>
-          <a:bodyPr rtlCol="0" anchor="ctr"/>
-          <a:lstStyle/>
-          <a:p>
-            <a:r>
-              <a:rPr lang="en-US" altLang="ko-KR" sz="1400" b="1" dirty="0">
-                <a:solidFill>
-                  <a:schemeClr val="tx1">
-                    <a:lumMod val="50000"/>
-                    <a:lumOff val="50000"/>
-                  </a:schemeClr>
-                </a:solidFill>
-                <a:latin typeface="옥션고딕 M" pitchFamily="2" charset="-127"/>
-                <a:ea typeface="옥션고딕 M" pitchFamily="2" charset="-127"/>
-              </a:rPr>
-              <a:t> </a:t>
-            </a:r>
-            <a:r>
-              <a:rPr lang="en-US" altLang="ko-KR" sz="2000" b="1" dirty="0">
-                <a:solidFill>
-                  <a:schemeClr val="bg1"/>
-                </a:solidFill>
-                <a:latin typeface="나눔고딕 ExtraBold" pitchFamily="50" charset="-127"/>
-                <a:ea typeface="나눔고딕 ExtraBold" pitchFamily="50" charset="-127"/>
-              </a:rPr>
-              <a:t> </a:t>
-            </a:r>
-            <a:r>
-              <a:rPr lang="ko-KR" altLang="en-US" sz="2000" b="1" dirty="0">
-                <a:solidFill>
-                  <a:schemeClr val="bg1"/>
-                </a:solidFill>
-                <a:latin typeface="나눔고딕 ExtraBold" pitchFamily="50" charset="-127"/>
-                <a:ea typeface="나눔고딕 ExtraBold" pitchFamily="50" charset="-127"/>
-              </a:rPr>
-              <a:t>텍스트 </a:t>
-            </a:r>
-            <a:r>
-              <a:rPr lang="ko-KR" altLang="en-US" sz="2000" b="1" dirty="0" err="1">
-                <a:solidFill>
-                  <a:schemeClr val="bg1"/>
-                </a:solidFill>
-                <a:latin typeface="나눔고딕 ExtraBold" pitchFamily="50" charset="-127"/>
-                <a:ea typeface="나눔고딕 ExtraBold" pitchFamily="50" charset="-127"/>
-              </a:rPr>
-              <a:t>마이닝</a:t>
-            </a:r>
-            <a:endParaRPr lang="ko-KR" altLang="en-US" sz="2000" b="1" dirty="0">
-              <a:solidFill>
-                <a:schemeClr val="bg1"/>
-              </a:solidFill>
-              <a:latin typeface="나눔고딕 ExtraBold" pitchFamily="50" charset="-127"/>
-              <a:ea typeface="나눔고딕 ExtraBold" pitchFamily="50" charset="-127"/>
-            </a:endParaRPr>
-          </a:p>
-        </p:txBody>
-      </p:sp>
-      <p:sp>
-        <p:nvSpPr>
-          <p:cNvPr id="5" name="직사각형 4"/>
-          <p:cNvSpPr/>
-          <p:nvPr/>
-        </p:nvSpPr>
-        <p:spPr>
-          <a:xfrm>
-            <a:off x="1633934" y="418286"/>
-            <a:ext cx="9071163" cy="482117"/>
-          </a:xfrm>
-          <a:prstGeom prst="rect">
-            <a:avLst/>
-          </a:prstGeom>
-          <a:noFill/>
-          <a:ln>
-            <a:noFill/>
-          </a:ln>
-        </p:spPr>
-        <p:style>
-          <a:lnRef idx="2">
-            <a:schemeClr val="accent1">
-              <a:shade val="50000"/>
-            </a:schemeClr>
-          </a:lnRef>
-          <a:fillRef idx="1">
-            <a:schemeClr val="accent1"/>
-          </a:fillRef>
-          <a:effectRef idx="0">
-            <a:schemeClr val="accent1"/>
-          </a:effectRef>
-          <a:fontRef idx="minor">
-            <a:schemeClr val="lt1"/>
-          </a:fontRef>
-        </p:style>
-        <p:txBody>
-          <a:bodyPr rtlCol="0" anchor="ctr"/>
-          <a:lstStyle/>
-          <a:p>
-            <a:endParaRPr lang="ko-KR" altLang="en-US" sz="1000" b="1" dirty="0">
-              <a:solidFill>
-                <a:schemeClr val="bg1"/>
-              </a:solidFill>
-              <a:latin typeface="맑은 고딕" panose="020B0503020000020004" pitchFamily="50" charset="-127"/>
-            </a:endParaRPr>
-          </a:p>
-        </p:txBody>
-      </p:sp>
-      <p:sp>
-        <p:nvSpPr>
-          <p:cNvPr id="8" name="슬라이드 번호 개체 틀 7"/>
-          <p:cNvSpPr>
-            <a:spLocks noGrp="1"/>
-          </p:cNvSpPr>
-          <p:nvPr>
-            <p:ph type="sldNum" sz="quarter" idx="12"/>
-          </p:nvPr>
-        </p:nvSpPr>
-        <p:spPr/>
-        <p:txBody>
-          <a:bodyPr/>
-          <a:lstStyle/>
-          <a:p>
-            <a:fld id="{6AE8F7B5-BC09-45E7-8191-D02D6C7021BF}" type="slidenum">
-              <a:rPr lang="ko-KR" altLang="en-US" smtClean="0"/>
-              <a:t>26</a:t>
-            </a:fld>
-            <a:endParaRPr lang="ko-KR" altLang="en-US"/>
-          </a:p>
-        </p:txBody>
-      </p:sp>
-      <p:sp>
-        <p:nvSpPr>
-          <p:cNvPr id="2" name="TextBox 1"/>
-          <p:cNvSpPr txBox="1"/>
-          <p:nvPr/>
-        </p:nvSpPr>
-        <p:spPr>
-          <a:xfrm>
-            <a:off x="1633933" y="1107846"/>
-            <a:ext cx="6836625" cy="369332"/>
-          </a:xfrm>
-          <a:prstGeom prst="rect">
-            <a:avLst/>
-          </a:prstGeom>
-          <a:noFill/>
-        </p:spPr>
-        <p:txBody>
-          <a:bodyPr wrap="square" rtlCol="0">
-            <a:spAutoFit/>
-          </a:bodyPr>
-          <a:lstStyle/>
-          <a:p>
-            <a:r>
-              <a:rPr lang="en-US" altLang="ko-KR" b="1" dirty="0"/>
-              <a:t>5. </a:t>
-            </a:r>
-            <a:r>
-              <a:rPr lang="ko-KR" altLang="en-US" b="1" dirty="0"/>
-              <a:t>텍스트 </a:t>
-            </a:r>
-            <a:r>
-              <a:rPr lang="ko-KR" altLang="en-US" b="1" dirty="0" err="1"/>
-              <a:t>마이닝의</a:t>
-            </a:r>
-            <a:r>
-              <a:rPr lang="ko-KR" altLang="en-US" b="1" dirty="0"/>
-              <a:t> 결과 시각화</a:t>
-            </a:r>
-            <a:endParaRPr lang="en-US" altLang="ko-KR" b="1" dirty="0"/>
-          </a:p>
-        </p:txBody>
-      </p:sp>
-      <p:sp>
-        <p:nvSpPr>
-          <p:cNvPr id="11" name="TextBox 10"/>
-          <p:cNvSpPr txBox="1"/>
-          <p:nvPr/>
-        </p:nvSpPr>
-        <p:spPr>
-          <a:xfrm>
-            <a:off x="1942457" y="1732360"/>
-            <a:ext cx="8176827" cy="4524315"/>
-          </a:xfrm>
-          <a:prstGeom prst="rect">
-            <a:avLst/>
-          </a:prstGeom>
-          <a:noFill/>
-          <a:ln>
-            <a:noFill/>
-          </a:ln>
-        </p:spPr>
-        <p:txBody>
-          <a:bodyPr wrap="square" rtlCol="0">
-            <a:spAutoFit/>
-          </a:bodyPr>
-          <a:lstStyle/>
-          <a:p>
-            <a:pPr>
-              <a:lnSpc>
-                <a:spcPct val="150000"/>
-              </a:lnSpc>
-            </a:pPr>
-            <a:r>
-              <a:rPr lang="ko-KR" altLang="en-US" sz="1200" dirty="0">
-                <a:latin typeface="+mn-ea"/>
-              </a:rPr>
-              <a:t>텍스트 </a:t>
-            </a:r>
-            <a:r>
-              <a:rPr lang="ko-KR" altLang="en-US" sz="1200" dirty="0" err="1">
-                <a:latin typeface="+mn-ea"/>
-              </a:rPr>
-              <a:t>마이닝의</a:t>
-            </a:r>
-            <a:r>
-              <a:rPr lang="ko-KR" altLang="en-US" sz="1200" dirty="0">
-                <a:latin typeface="+mn-ea"/>
-              </a:rPr>
-              <a:t> 결과를 시각화 할 때 가장 많이 사용되는 것은 워드 </a:t>
-            </a:r>
-            <a:r>
-              <a:rPr lang="ko-KR" altLang="en-US" sz="1200" dirty="0" err="1">
-                <a:latin typeface="+mn-ea"/>
-              </a:rPr>
-              <a:t>클라우드이다</a:t>
-            </a:r>
-            <a:r>
-              <a:rPr lang="en-US" altLang="ko-KR" sz="1200" dirty="0">
-                <a:latin typeface="+mn-ea"/>
-              </a:rPr>
-              <a:t>. </a:t>
-            </a:r>
-          </a:p>
-          <a:p>
-            <a:pPr>
-              <a:lnSpc>
-                <a:spcPct val="150000"/>
-              </a:lnSpc>
-            </a:pPr>
-            <a:r>
-              <a:rPr lang="ko-KR" altLang="en-US" sz="1200" dirty="0">
-                <a:latin typeface="+mn-ea"/>
-              </a:rPr>
-              <a:t>워드 </a:t>
-            </a:r>
-            <a:r>
-              <a:rPr lang="ko-KR" altLang="en-US" sz="1200" dirty="0" err="1">
-                <a:latin typeface="+mn-ea"/>
-              </a:rPr>
-              <a:t>클라우드는</a:t>
-            </a:r>
-            <a:r>
-              <a:rPr lang="ko-KR" altLang="en-US" sz="1200" dirty="0">
-                <a:latin typeface="+mn-ea"/>
-              </a:rPr>
-              <a:t> 단어의 개수를 세어 객수의 크기 값에 따라서 단어의 크기를 차등적으로 출력하여 키워드가 되는 단어를 좀 더 강조하여 출력하는 시각화이다</a:t>
-            </a:r>
-            <a:r>
-              <a:rPr lang="en-US" altLang="ko-KR" sz="1200" dirty="0">
-                <a:latin typeface="+mn-ea"/>
-              </a:rPr>
-              <a:t>.</a:t>
-            </a:r>
-          </a:p>
-          <a:p>
-            <a:pPr>
-              <a:lnSpc>
-                <a:spcPct val="150000"/>
-              </a:lnSpc>
-            </a:pPr>
-            <a:endParaRPr lang="en-US" altLang="ko-KR" sz="1200" dirty="0">
-              <a:latin typeface="+mn-ea"/>
-            </a:endParaRPr>
-          </a:p>
-          <a:p>
-            <a:pPr>
-              <a:lnSpc>
-                <a:spcPct val="150000"/>
-              </a:lnSpc>
-            </a:pPr>
-            <a:r>
-              <a:rPr lang="en-US" altLang="ko-KR" sz="1200" dirty="0" err="1">
-                <a:solidFill>
-                  <a:srgbClr val="FF0000"/>
-                </a:solidFill>
-                <a:latin typeface="+mn-ea"/>
-              </a:rPr>
-              <a:t>install.packages</a:t>
-            </a:r>
-            <a:r>
-              <a:rPr lang="en-US" altLang="ko-KR" sz="1200" dirty="0">
-                <a:solidFill>
-                  <a:srgbClr val="FF0000"/>
-                </a:solidFill>
-                <a:latin typeface="+mn-ea"/>
-              </a:rPr>
-              <a:t>(“</a:t>
-            </a:r>
-            <a:r>
-              <a:rPr lang="en-US" altLang="ko-KR" sz="1200" dirty="0" err="1">
-                <a:solidFill>
-                  <a:srgbClr val="FF0000"/>
-                </a:solidFill>
-                <a:latin typeface="+mn-ea"/>
-              </a:rPr>
-              <a:t>wordcloud</a:t>
-            </a:r>
-            <a:r>
-              <a:rPr lang="en-US" altLang="ko-KR" sz="1200" dirty="0">
-                <a:solidFill>
-                  <a:srgbClr val="FF0000"/>
-                </a:solidFill>
-                <a:latin typeface="+mn-ea"/>
-              </a:rPr>
-              <a:t>”)</a:t>
-            </a:r>
-          </a:p>
-          <a:p>
-            <a:pPr>
-              <a:lnSpc>
-                <a:spcPct val="150000"/>
-              </a:lnSpc>
-            </a:pPr>
-            <a:r>
-              <a:rPr lang="en-US" altLang="ko-KR" sz="1200" dirty="0">
-                <a:solidFill>
-                  <a:srgbClr val="FF0000"/>
-                </a:solidFill>
-                <a:latin typeface="+mn-ea"/>
-              </a:rPr>
-              <a:t>library(</a:t>
-            </a:r>
-            <a:r>
-              <a:rPr lang="en-US" altLang="ko-KR" sz="1200" dirty="0" err="1">
-                <a:solidFill>
-                  <a:srgbClr val="FF0000"/>
-                </a:solidFill>
-                <a:latin typeface="+mn-ea"/>
-              </a:rPr>
-              <a:t>wordcloud</a:t>
-            </a:r>
-            <a:r>
-              <a:rPr lang="en-US" altLang="ko-KR" sz="1200" dirty="0">
-                <a:solidFill>
-                  <a:srgbClr val="FF0000"/>
-                </a:solidFill>
-                <a:latin typeface="+mn-ea"/>
-              </a:rPr>
-              <a:t>)</a:t>
-            </a:r>
-          </a:p>
-          <a:p>
-            <a:pPr>
-              <a:lnSpc>
-                <a:spcPct val="150000"/>
-              </a:lnSpc>
-            </a:pPr>
-            <a:r>
-              <a:rPr lang="en-US" altLang="ko-KR" sz="1200" dirty="0" err="1">
-                <a:solidFill>
-                  <a:srgbClr val="FF0000"/>
-                </a:solidFill>
-              </a:rPr>
-              <a:t>wordcloud</a:t>
-            </a:r>
-            <a:r>
-              <a:rPr lang="en-US" altLang="ko-KR" sz="1200" dirty="0">
-                <a:solidFill>
-                  <a:srgbClr val="FF0000"/>
-                </a:solidFill>
-              </a:rPr>
-              <a:t>(</a:t>
-            </a:r>
-            <a:r>
-              <a:rPr lang="en-US" altLang="ko-KR" sz="1200" dirty="0" err="1">
-                <a:solidFill>
-                  <a:srgbClr val="FF0000"/>
-                </a:solidFill>
-              </a:rPr>
-              <a:t>words,freq,scale</a:t>
-            </a:r>
-            <a:r>
-              <a:rPr lang="en-US" altLang="ko-KR" sz="1200" dirty="0">
-                <a:solidFill>
-                  <a:srgbClr val="FF0000"/>
-                </a:solidFill>
-              </a:rPr>
-              <a:t>=c(4,.5),</a:t>
-            </a:r>
-            <a:r>
-              <a:rPr lang="en-US" altLang="ko-KR" sz="1200" dirty="0" err="1">
-                <a:solidFill>
-                  <a:srgbClr val="FF0000"/>
-                </a:solidFill>
-              </a:rPr>
-              <a:t>min.freq</a:t>
-            </a:r>
-            <a:r>
-              <a:rPr lang="en-US" altLang="ko-KR" sz="1200" dirty="0">
-                <a:solidFill>
-                  <a:srgbClr val="FF0000"/>
-                </a:solidFill>
-              </a:rPr>
-              <a:t>=3,max.words=</a:t>
-            </a:r>
-            <a:r>
-              <a:rPr lang="en-US" altLang="ko-KR" sz="1200" dirty="0" err="1">
-                <a:solidFill>
-                  <a:srgbClr val="FF0000"/>
-                </a:solidFill>
-              </a:rPr>
-              <a:t>Inf</a:t>
-            </a:r>
-            <a:r>
-              <a:rPr lang="en-US" altLang="ko-KR" sz="1200" dirty="0">
-                <a:solidFill>
-                  <a:srgbClr val="FF0000"/>
-                </a:solidFill>
-              </a:rPr>
-              <a:t>, </a:t>
-            </a:r>
-            <a:r>
-              <a:rPr lang="en-US" altLang="ko-KR" sz="1200" dirty="0" err="1">
-                <a:solidFill>
-                  <a:srgbClr val="FF0000"/>
-                </a:solidFill>
-              </a:rPr>
-              <a:t>random.order</a:t>
-            </a:r>
-            <a:r>
-              <a:rPr lang="en-US" altLang="ko-KR" sz="1200" dirty="0">
-                <a:solidFill>
-                  <a:srgbClr val="FF0000"/>
-                </a:solidFill>
-              </a:rPr>
-              <a:t>=TRUE, </a:t>
-            </a:r>
-            <a:r>
-              <a:rPr lang="en-US" altLang="ko-KR" sz="1200" dirty="0" err="1">
-                <a:solidFill>
-                  <a:srgbClr val="FF0000"/>
-                </a:solidFill>
-              </a:rPr>
-              <a:t>random.color</a:t>
-            </a:r>
-            <a:r>
-              <a:rPr lang="en-US" altLang="ko-KR" sz="1200" dirty="0">
-                <a:solidFill>
-                  <a:srgbClr val="FF0000"/>
-                </a:solidFill>
-              </a:rPr>
-              <a:t>=FALSE, </a:t>
-            </a:r>
-            <a:r>
-              <a:rPr lang="en-US" altLang="ko-KR" sz="1200" dirty="0" err="1">
-                <a:solidFill>
-                  <a:srgbClr val="FF0000"/>
-                </a:solidFill>
-              </a:rPr>
-              <a:t>rot.per</a:t>
-            </a:r>
-            <a:r>
-              <a:rPr lang="en-US" altLang="ko-KR" sz="1200" dirty="0">
-                <a:solidFill>
-                  <a:srgbClr val="FF0000"/>
-                </a:solidFill>
-              </a:rPr>
-              <a:t>=.1, colors="black",</a:t>
-            </a:r>
-            <a:r>
-              <a:rPr lang="en-US" altLang="ko-KR" sz="1200" dirty="0" err="1">
-                <a:solidFill>
-                  <a:srgbClr val="FF0000"/>
-                </a:solidFill>
-              </a:rPr>
-              <a:t>ordered.colors</a:t>
-            </a:r>
-            <a:r>
-              <a:rPr lang="en-US" altLang="ko-KR" sz="1200" dirty="0">
-                <a:solidFill>
-                  <a:srgbClr val="FF0000"/>
-                </a:solidFill>
-              </a:rPr>
-              <a:t>=</a:t>
-            </a:r>
-            <a:r>
-              <a:rPr lang="en-US" altLang="ko-KR" sz="1200" dirty="0" err="1">
-                <a:solidFill>
-                  <a:srgbClr val="FF0000"/>
-                </a:solidFill>
-              </a:rPr>
-              <a:t>FALSE,use.r.layout</a:t>
-            </a:r>
-            <a:r>
-              <a:rPr lang="en-US" altLang="ko-KR" sz="1200" dirty="0">
-                <a:solidFill>
-                  <a:srgbClr val="FF0000"/>
-                </a:solidFill>
-              </a:rPr>
-              <a:t>=FALSE, fixed.asp=TRUE, ...)</a:t>
-            </a:r>
-          </a:p>
-          <a:p>
-            <a:pPr>
-              <a:lnSpc>
-                <a:spcPct val="150000"/>
-              </a:lnSpc>
-            </a:pPr>
-            <a:endParaRPr lang="en-US" altLang="ko-KR" sz="1200" dirty="0">
-              <a:latin typeface="+mn-ea"/>
-            </a:endParaRPr>
-          </a:p>
-          <a:p>
-            <a:pPr>
-              <a:lnSpc>
-                <a:spcPct val="150000"/>
-              </a:lnSpc>
-            </a:pPr>
-            <a:r>
-              <a:rPr lang="en-US" altLang="ko-KR" sz="1200" dirty="0">
-                <a:latin typeface="+mn-ea"/>
-              </a:rPr>
-              <a:t>   • scale : </a:t>
-            </a:r>
-            <a:r>
-              <a:rPr lang="ko-KR" altLang="en-US" sz="1200" dirty="0">
-                <a:latin typeface="+mn-ea"/>
-              </a:rPr>
-              <a:t>빈도가 가장 큰 단어와 가장 빈도가 작은 단어 폰트 사이 크기</a:t>
-            </a:r>
-            <a:r>
-              <a:rPr lang="en-US" altLang="ko-KR" sz="1200" dirty="0">
-                <a:latin typeface="+mn-ea"/>
-              </a:rPr>
-              <a:t>, scale=c(5,0.2.)</a:t>
-            </a:r>
-          </a:p>
-          <a:p>
-            <a:pPr>
-              <a:lnSpc>
-                <a:spcPct val="150000"/>
-              </a:lnSpc>
-            </a:pPr>
-            <a:r>
-              <a:rPr lang="en-US" altLang="ko-KR" sz="1200" dirty="0">
-                <a:latin typeface="+mn-ea"/>
-              </a:rPr>
-              <a:t>   • </a:t>
-            </a:r>
-            <a:r>
-              <a:rPr lang="en-US" altLang="ko-KR" sz="1200" dirty="0" err="1">
-                <a:latin typeface="+mn-ea"/>
-              </a:rPr>
-              <a:t>rot.per</a:t>
-            </a:r>
-            <a:r>
-              <a:rPr lang="en-US" altLang="ko-KR" sz="1200" dirty="0">
-                <a:latin typeface="+mn-ea"/>
-              </a:rPr>
-              <a:t>=0.1 : 90</a:t>
-            </a:r>
-            <a:r>
-              <a:rPr lang="ko-KR" altLang="en-US" sz="1200" dirty="0">
-                <a:latin typeface="+mn-ea"/>
-              </a:rPr>
-              <a:t>도 회전해서 보여줄 단어 비율</a:t>
-            </a:r>
-          </a:p>
-          <a:p>
-            <a:pPr>
-              <a:lnSpc>
-                <a:spcPct val="150000"/>
-              </a:lnSpc>
-            </a:pPr>
-            <a:r>
-              <a:rPr lang="en-US" altLang="ko-KR" sz="1200" dirty="0">
-                <a:latin typeface="+mn-ea"/>
-              </a:rPr>
-              <a:t>   • </a:t>
-            </a:r>
-            <a:r>
-              <a:rPr lang="en-US" altLang="ko-KR" sz="1200" dirty="0" err="1">
-                <a:latin typeface="+mn-ea"/>
-              </a:rPr>
-              <a:t>min.freq</a:t>
-            </a:r>
-            <a:r>
-              <a:rPr lang="en-US" altLang="ko-KR" sz="1200" dirty="0">
-                <a:latin typeface="+mn-ea"/>
-              </a:rPr>
-              <a:t>=3, </a:t>
-            </a:r>
-            <a:r>
-              <a:rPr lang="en-US" altLang="ko-KR" sz="1200" dirty="0" err="1">
-                <a:latin typeface="+mn-ea"/>
-              </a:rPr>
-              <a:t>max.words</a:t>
-            </a:r>
-            <a:r>
-              <a:rPr lang="en-US" altLang="ko-KR" sz="1200" dirty="0">
-                <a:latin typeface="+mn-ea"/>
-              </a:rPr>
-              <a:t>=100 : </a:t>
-            </a:r>
-            <a:r>
-              <a:rPr lang="ko-KR" altLang="en-US" sz="1200" dirty="0">
-                <a:latin typeface="+mn-ea"/>
-              </a:rPr>
-              <a:t>빈도 </a:t>
-            </a:r>
-            <a:r>
-              <a:rPr lang="en-US" altLang="ko-KR" sz="1200" dirty="0">
-                <a:latin typeface="+mn-ea"/>
-              </a:rPr>
-              <a:t>3</a:t>
-            </a:r>
-            <a:r>
-              <a:rPr lang="ko-KR" altLang="en-US" sz="1200" dirty="0">
-                <a:latin typeface="+mn-ea"/>
-              </a:rPr>
-              <a:t>이상</a:t>
-            </a:r>
-            <a:r>
-              <a:rPr lang="en-US" altLang="ko-KR" sz="1200" dirty="0">
-                <a:latin typeface="+mn-ea"/>
-              </a:rPr>
-              <a:t>, 100</a:t>
-            </a:r>
-            <a:r>
-              <a:rPr lang="ko-KR" altLang="en-US" sz="1200" dirty="0">
-                <a:latin typeface="+mn-ea"/>
-              </a:rPr>
-              <a:t>미만 단어 표현</a:t>
-            </a:r>
-          </a:p>
-          <a:p>
-            <a:pPr>
-              <a:lnSpc>
-                <a:spcPct val="150000"/>
-              </a:lnSpc>
-            </a:pPr>
-            <a:r>
-              <a:rPr lang="en-US" altLang="ko-KR" sz="1200" dirty="0">
-                <a:latin typeface="+mn-ea"/>
-              </a:rPr>
-              <a:t>   • </a:t>
-            </a:r>
-            <a:r>
-              <a:rPr lang="en-US" altLang="ko-KR" sz="1200" dirty="0" err="1">
-                <a:latin typeface="+mn-ea"/>
-              </a:rPr>
-              <a:t>random.order</a:t>
-            </a:r>
-            <a:r>
-              <a:rPr lang="en-US" altLang="ko-KR" sz="1200" dirty="0">
-                <a:latin typeface="+mn-ea"/>
-              </a:rPr>
-              <a:t>=F : True(</a:t>
-            </a:r>
-            <a:r>
-              <a:rPr lang="ko-KR" altLang="en-US" sz="1200" dirty="0">
-                <a:latin typeface="+mn-ea"/>
-              </a:rPr>
-              <a:t>랜덤배치</a:t>
-            </a:r>
-            <a:r>
-              <a:rPr lang="en-US" altLang="ko-KR" sz="1200" dirty="0">
-                <a:latin typeface="+mn-ea"/>
-              </a:rPr>
-              <a:t>) / False(</a:t>
-            </a:r>
-            <a:r>
-              <a:rPr lang="ko-KR" altLang="en-US" sz="1200" dirty="0">
-                <a:latin typeface="+mn-ea"/>
-              </a:rPr>
-              <a:t>빈도수가 </a:t>
-            </a:r>
-            <a:r>
-              <a:rPr lang="ko-KR" altLang="en-US" sz="1200" dirty="0" err="1">
-                <a:latin typeface="+mn-ea"/>
-              </a:rPr>
-              <a:t>큰단어를</a:t>
-            </a:r>
-            <a:r>
-              <a:rPr lang="ko-KR" altLang="en-US" sz="1200" dirty="0">
-                <a:latin typeface="+mn-ea"/>
-              </a:rPr>
-              <a:t> 중앙에 배치</a:t>
-            </a:r>
-            <a:r>
-              <a:rPr lang="en-US" altLang="ko-KR" sz="1200" dirty="0">
-                <a:latin typeface="+mn-ea"/>
-              </a:rPr>
-              <a:t>)</a:t>
-            </a:r>
-          </a:p>
-          <a:p>
-            <a:pPr>
-              <a:lnSpc>
-                <a:spcPct val="150000"/>
-              </a:lnSpc>
-            </a:pPr>
-            <a:r>
-              <a:rPr lang="en-US" altLang="ko-KR" sz="1200" dirty="0">
-                <a:latin typeface="+mn-ea"/>
-              </a:rPr>
-              <a:t>   • </a:t>
-            </a:r>
-            <a:r>
-              <a:rPr lang="en-US" altLang="ko-KR" sz="1200" dirty="0" err="1">
-                <a:latin typeface="+mn-ea"/>
-              </a:rPr>
-              <a:t>random.color</a:t>
-            </a:r>
-            <a:r>
-              <a:rPr lang="en-US" altLang="ko-KR" sz="1200" dirty="0">
-                <a:latin typeface="+mn-ea"/>
-              </a:rPr>
-              <a:t>=T : True(</a:t>
-            </a:r>
-            <a:r>
-              <a:rPr lang="ko-KR" altLang="en-US" sz="1200" dirty="0">
-                <a:latin typeface="+mn-ea"/>
-              </a:rPr>
-              <a:t>색상랜덤</a:t>
-            </a:r>
-            <a:r>
-              <a:rPr lang="en-US" altLang="ko-KR" sz="1200" dirty="0">
-                <a:latin typeface="+mn-ea"/>
-              </a:rPr>
-              <a:t>) / False(</a:t>
-            </a:r>
-            <a:r>
-              <a:rPr lang="ko-KR" altLang="en-US" sz="1200" dirty="0">
-                <a:latin typeface="+mn-ea"/>
-              </a:rPr>
-              <a:t>빈도수순으로 색상표현</a:t>
-            </a:r>
-            <a:r>
-              <a:rPr lang="en-US" altLang="ko-KR" sz="1200" dirty="0">
-                <a:latin typeface="+mn-ea"/>
-              </a:rPr>
-              <a:t>)</a:t>
-            </a:r>
-          </a:p>
-          <a:p>
-            <a:pPr>
-              <a:lnSpc>
-                <a:spcPct val="150000"/>
-              </a:lnSpc>
-            </a:pPr>
-            <a:r>
-              <a:rPr lang="en-US" altLang="ko-KR" sz="1200" dirty="0">
-                <a:latin typeface="+mn-ea"/>
-              </a:rPr>
-              <a:t>   • colors=</a:t>
-            </a:r>
-            <a:r>
-              <a:rPr lang="ko-KR" altLang="en-US" sz="1200" dirty="0">
-                <a:latin typeface="+mn-ea"/>
-              </a:rPr>
-              <a:t>색상이름</a:t>
-            </a:r>
-            <a:r>
-              <a:rPr lang="en-US" altLang="ko-KR" sz="1200" dirty="0">
-                <a:latin typeface="+mn-ea"/>
-              </a:rPr>
-              <a:t>  </a:t>
-            </a:r>
-          </a:p>
-          <a:p>
-            <a:pPr>
-              <a:lnSpc>
-                <a:spcPct val="150000"/>
-              </a:lnSpc>
-            </a:pPr>
-            <a:r>
-              <a:rPr lang="en-US" altLang="ko-KR" sz="1200" dirty="0">
-                <a:latin typeface="+mn-ea"/>
-              </a:rPr>
-              <a:t>   • family : </a:t>
-            </a:r>
-            <a:r>
-              <a:rPr lang="ko-KR" altLang="en-US" sz="1200" dirty="0">
-                <a:latin typeface="+mn-ea"/>
-              </a:rPr>
-              <a:t>폰트</a:t>
-            </a:r>
-          </a:p>
-          <a:p>
-            <a:pPr>
-              <a:lnSpc>
-                <a:spcPct val="150000"/>
-              </a:lnSpc>
-            </a:pPr>
-            <a:r>
-              <a:rPr lang="en-US" altLang="ko-KR" sz="1200" dirty="0" err="1">
-                <a:latin typeface="+mn-ea"/>
-              </a:rPr>
-              <a:t>savePlot</a:t>
-            </a:r>
-            <a:r>
-              <a:rPr lang="en-US" altLang="ko-KR" sz="1200" dirty="0">
-                <a:latin typeface="+mn-ea"/>
-              </a:rPr>
-              <a:t>(</a:t>
-            </a:r>
-            <a:r>
-              <a:rPr lang="en-US" altLang="ko-KR" sz="1200" dirty="0" err="1">
-                <a:latin typeface="+mn-ea"/>
-              </a:rPr>
-              <a:t>szWordCloudImageFile</a:t>
-            </a:r>
-            <a:r>
-              <a:rPr lang="en-US" altLang="ko-KR" sz="1200" dirty="0">
-                <a:latin typeface="+mn-ea"/>
-              </a:rPr>
-              <a:t>, type="</a:t>
-            </a:r>
-            <a:r>
-              <a:rPr lang="en-US" altLang="ko-KR" sz="1200" dirty="0" err="1">
-                <a:latin typeface="+mn-ea"/>
-              </a:rPr>
-              <a:t>png</a:t>
-            </a:r>
-            <a:r>
-              <a:rPr lang="en-US" altLang="ko-KR" sz="1200" dirty="0">
-                <a:latin typeface="+mn-ea"/>
-              </a:rPr>
-              <a:t>") : </a:t>
-            </a:r>
-            <a:r>
-              <a:rPr lang="en-US" altLang="ko-KR" sz="1200" dirty="0" err="1">
-                <a:latin typeface="+mn-ea"/>
-              </a:rPr>
-              <a:t>WordCloud</a:t>
-            </a:r>
-            <a:r>
-              <a:rPr lang="en-US" altLang="ko-KR" sz="1200" dirty="0">
-                <a:latin typeface="+mn-ea"/>
-              </a:rPr>
-              <a:t> </a:t>
-            </a:r>
-            <a:r>
-              <a:rPr lang="ko-KR" altLang="en-US" sz="1200" dirty="0">
-                <a:latin typeface="+mn-ea"/>
-              </a:rPr>
-              <a:t>결과를 이미지 파일로 저장</a:t>
-            </a:r>
-            <a:endParaRPr lang="en-US" altLang="ko-KR" sz="1200" dirty="0">
-              <a:latin typeface="+mn-ea"/>
-            </a:endParaRPr>
-          </a:p>
-        </p:txBody>
-      </p:sp>
-    </p:spTree>
-    <p:extLst>
-      <p:ext uri="{BB962C8B-B14F-4D97-AF65-F5344CB8AC3E}">
-        <p14:creationId xmlns:p14="http://schemas.microsoft.com/office/powerpoint/2010/main" val="3792211149"/>
-      </p:ext>
-    </p:extLst>
-  </p:cSld>
-  <p:clrMapOvr>
-    <a:masterClrMapping/>
-  </p:clrMapOvr>
-</p:sld>
-</file>
-
 <file path=ppt/slides/slide27.xml><?xml version="1.0" encoding="utf-8"?>
 <p:sld xmlns:a="http://schemas.openxmlformats.org/drawingml/2006/main" xmlns:r="http://schemas.openxmlformats.org/officeDocument/2006/relationships" xmlns:p="http://schemas.openxmlformats.org/presentationml/2006/main">
   <p:cSld>
@@ -16245,7 +16183,7 @@
         <p:spPr>
           <a:xfrm>
             <a:off x="1942457" y="1732360"/>
-            <a:ext cx="8176827" cy="2862322"/>
+            <a:ext cx="8176827" cy="4524315"/>
           </a:xfrm>
           <a:prstGeom prst="rect">
             <a:avLst/>
@@ -16267,22 +16205,65 @@
               </a:lnSpc>
             </a:pPr>
             <a:r>
-              <a:rPr lang="en-US" altLang="ko-KR" sz="1200" dirty="0">
-                <a:latin typeface="+mn-ea"/>
-              </a:rPr>
-              <a:t>library(</a:t>
-            </a:r>
-            <a:r>
-              <a:rPr lang="en-US" altLang="ko-KR" sz="1200" dirty="0" err="1">
-                <a:latin typeface="+mn-ea"/>
-              </a:rPr>
-              <a:t>wordcloud</a:t>
-            </a:r>
-            <a:r>
-              <a:rPr lang="en-US" altLang="ko-KR" sz="1200" dirty="0">
-                <a:latin typeface="+mn-ea"/>
-              </a:rPr>
-              <a:t>)</a:t>
+              <a:rPr lang="ko-KR" altLang="en-US" sz="1200" dirty="0">
+                <a:latin typeface="+mn-ea"/>
+              </a:rPr>
+              <a:t>텍스트 </a:t>
+            </a:r>
+            <a:r>
+              <a:rPr lang="ko-KR" altLang="en-US" sz="1200" dirty="0" err="1">
+                <a:latin typeface="+mn-ea"/>
+              </a:rPr>
+              <a:t>마이닝의</a:t>
+            </a:r>
+            <a:r>
+              <a:rPr lang="ko-KR" altLang="en-US" sz="1200" dirty="0">
+                <a:latin typeface="+mn-ea"/>
+              </a:rPr>
+              <a:t> 결과를 시각화 할 때 가장 많이 사용되는 것은 워드 </a:t>
+            </a:r>
+            <a:r>
+              <a:rPr lang="ko-KR" altLang="en-US" sz="1200" dirty="0" err="1">
+                <a:latin typeface="+mn-ea"/>
+              </a:rPr>
+              <a:t>클라우드이다</a:t>
+            </a:r>
+            <a:r>
+              <a:rPr lang="en-US" altLang="ko-KR" sz="1200" dirty="0">
+                <a:latin typeface="+mn-ea"/>
+              </a:rPr>
+              <a:t>. </a:t>
+            </a:r>
+          </a:p>
+          <a:p>
+            <a:pPr>
+              <a:lnSpc>
+                <a:spcPct val="150000"/>
+              </a:lnSpc>
+            </a:pPr>
+            <a:r>
+              <a:rPr lang="ko-KR" altLang="en-US" sz="1200" dirty="0">
+                <a:latin typeface="+mn-ea"/>
+              </a:rPr>
+              <a:t>워드 </a:t>
+            </a:r>
+            <a:r>
+              <a:rPr lang="ko-KR" altLang="en-US" sz="1200" dirty="0" err="1">
+                <a:latin typeface="+mn-ea"/>
+              </a:rPr>
+              <a:t>클라우드는</a:t>
+            </a:r>
+            <a:r>
+              <a:rPr lang="ko-KR" altLang="en-US" sz="1200" dirty="0">
+                <a:latin typeface="+mn-ea"/>
+              </a:rPr>
+              <a:t> 단어의 개수를 세어 객수의 크기 값에 따라서 단어의 크기를 차등적으로 출력하여 키워드가 되는 단어를 좀 더 강조하여 출력하는 시각화이다</a:t>
+            </a:r>
+            <a:r>
+              <a:rPr lang="en-US" altLang="ko-KR" sz="1200" dirty="0">
+                <a:latin typeface="+mn-ea"/>
+              </a:rPr>
+              <a:t>.</a:t>
             </a:r>
           </a:p>
           <a:p>
@@ -16302,35 +16283,225 @@
               </a:lnSpc>
             </a:pPr>
             <a:r>
-              <a:rPr lang="en-US" altLang="ko-KR" sz="1200" dirty="0">
-                <a:latin typeface="+mn-ea"/>
-              </a:rPr>
-              <a:t>v &lt;- sort(</a:t>
-            </a:r>
-            <a:r>
               <a:rPr lang="en-US" altLang="ko-KR" sz="1200" dirty="0" err="1">
-                <a:latin typeface="+mn-ea"/>
-              </a:rPr>
-              <a:t>rowSums</a:t>
-            </a:r>
-            <a:r>
-              <a:rPr lang="en-US" altLang="ko-KR" sz="1200" dirty="0">
-                <a:latin typeface="+mn-ea"/>
-              </a:rPr>
-              <a:t>(m), decreasing=T)</a:t>
-            </a:r>
-          </a:p>
-          <a:p>
-            <a:pPr>
-              <a:lnSpc>
-                <a:spcPct val="150000"/>
-              </a:lnSpc>
-            </a:pPr>
-            <a:r>
-              <a:rPr lang="en-US" altLang="ko-KR" sz="1200" dirty="0">
-                <a:latin typeface="+mn-ea"/>
-              </a:rPr>
-              <a:t>v</a:t>
+                <a:solidFill>
+                  <a:srgbClr val="FF0000"/>
+                </a:solidFill>
+                <a:latin typeface="+mn-ea"/>
+              </a:rPr>
+              <a:t>install.packages</a:t>
+            </a:r>
+            <a:r>
+              <a:rPr lang="en-US" altLang="ko-KR" sz="1200" dirty="0">
+                <a:solidFill>
+                  <a:srgbClr val="FF0000"/>
+                </a:solidFill>
+                <a:latin typeface="+mn-ea"/>
+              </a:rPr>
+              <a:t>(“</a:t>
+            </a:r>
+            <a:r>
+              <a:rPr lang="en-US" altLang="ko-KR" sz="1200" dirty="0" err="1">
+                <a:solidFill>
+                  <a:srgbClr val="FF0000"/>
+                </a:solidFill>
+                <a:latin typeface="+mn-ea"/>
+              </a:rPr>
+              <a:t>wordcloud</a:t>
+            </a:r>
+            <a:r>
+              <a:rPr lang="en-US" altLang="ko-KR" sz="1200" dirty="0">
+                <a:solidFill>
+                  <a:srgbClr val="FF0000"/>
+                </a:solidFill>
+                <a:latin typeface="+mn-ea"/>
+              </a:rPr>
+              <a:t>”)</a:t>
+            </a:r>
+          </a:p>
+          <a:p>
+            <a:pPr>
+              <a:lnSpc>
+                <a:spcPct val="150000"/>
+              </a:lnSpc>
+            </a:pPr>
+            <a:r>
+              <a:rPr lang="en-US" altLang="ko-KR" sz="1200" dirty="0">
+                <a:solidFill>
+                  <a:srgbClr val="FF0000"/>
+                </a:solidFill>
+                <a:latin typeface="+mn-ea"/>
+              </a:rPr>
+              <a:t>library(</a:t>
+            </a:r>
+            <a:r>
+              <a:rPr lang="en-US" altLang="ko-KR" sz="1200" dirty="0" err="1">
+                <a:solidFill>
+                  <a:srgbClr val="FF0000"/>
+                </a:solidFill>
+                <a:latin typeface="+mn-ea"/>
+              </a:rPr>
+              <a:t>wordcloud</a:t>
+            </a:r>
+            <a:r>
+              <a:rPr lang="en-US" altLang="ko-KR" sz="1200" dirty="0">
+                <a:solidFill>
+                  <a:srgbClr val="FF0000"/>
+                </a:solidFill>
+                <a:latin typeface="+mn-ea"/>
+              </a:rPr>
+              <a:t>)</a:t>
+            </a:r>
+          </a:p>
+          <a:p>
+            <a:pPr>
+              <a:lnSpc>
+                <a:spcPct val="150000"/>
+              </a:lnSpc>
+            </a:pPr>
+            <a:r>
+              <a:rPr lang="en-US" altLang="ko-KR" sz="1200" dirty="0" err="1">
+                <a:solidFill>
+                  <a:srgbClr val="FF0000"/>
+                </a:solidFill>
+              </a:rPr>
+              <a:t>wordcloud</a:t>
+            </a:r>
+            <a:r>
+              <a:rPr lang="en-US" altLang="ko-KR" sz="1200" dirty="0">
+                <a:solidFill>
+                  <a:srgbClr val="FF0000"/>
+                </a:solidFill>
+              </a:rPr>
+              <a:t>(</a:t>
+            </a:r>
+            <a:r>
+              <a:rPr lang="en-US" altLang="ko-KR" sz="1200" dirty="0" err="1">
+                <a:solidFill>
+                  <a:srgbClr val="FF0000"/>
+                </a:solidFill>
+              </a:rPr>
+              <a:t>words,freq,scale</a:t>
+            </a:r>
+            <a:r>
+              <a:rPr lang="en-US" altLang="ko-KR" sz="1200" dirty="0">
+                <a:solidFill>
+                  <a:srgbClr val="FF0000"/>
+                </a:solidFill>
+              </a:rPr>
+              <a:t>=c(4,.5),</a:t>
+            </a:r>
+            <a:r>
+              <a:rPr lang="en-US" altLang="ko-KR" sz="1200" dirty="0" err="1">
+                <a:solidFill>
+                  <a:srgbClr val="FF0000"/>
+                </a:solidFill>
+              </a:rPr>
+              <a:t>min.freq</a:t>
+            </a:r>
+            <a:r>
+              <a:rPr lang="en-US" altLang="ko-KR" sz="1200" dirty="0">
+                <a:solidFill>
+                  <a:srgbClr val="FF0000"/>
+                </a:solidFill>
+              </a:rPr>
+              <a:t>=3,max.words=</a:t>
+            </a:r>
+            <a:r>
+              <a:rPr lang="en-US" altLang="ko-KR" sz="1200" dirty="0" err="1">
+                <a:solidFill>
+                  <a:srgbClr val="FF0000"/>
+                </a:solidFill>
+              </a:rPr>
+              <a:t>Inf</a:t>
+            </a:r>
+            <a:r>
+              <a:rPr lang="en-US" altLang="ko-KR" sz="1200" dirty="0">
+                <a:solidFill>
+                  <a:srgbClr val="FF0000"/>
+                </a:solidFill>
+              </a:rPr>
+              <a:t>, </a:t>
+            </a:r>
+            <a:r>
+              <a:rPr lang="en-US" altLang="ko-KR" sz="1200" dirty="0" err="1">
+                <a:solidFill>
+                  <a:srgbClr val="FF0000"/>
+                </a:solidFill>
+              </a:rPr>
+              <a:t>random.order</a:t>
+            </a:r>
+            <a:r>
+              <a:rPr lang="en-US" altLang="ko-KR" sz="1200" dirty="0">
+                <a:solidFill>
+                  <a:srgbClr val="FF0000"/>
+                </a:solidFill>
+              </a:rPr>
+              <a:t>=TRUE, </a:t>
+            </a:r>
+            <a:r>
+              <a:rPr lang="en-US" altLang="ko-KR" sz="1200" dirty="0" err="1">
+                <a:solidFill>
+                  <a:srgbClr val="FF0000"/>
+                </a:solidFill>
+              </a:rPr>
+              <a:t>random.color</a:t>
+            </a:r>
+            <a:r>
+              <a:rPr lang="en-US" altLang="ko-KR" sz="1200" dirty="0">
+                <a:solidFill>
+                  <a:srgbClr val="FF0000"/>
+                </a:solidFill>
+              </a:rPr>
+              <a:t>=FALSE, </a:t>
+            </a:r>
+            <a:r>
+              <a:rPr lang="en-US" altLang="ko-KR" sz="1200" dirty="0" err="1">
+                <a:solidFill>
+                  <a:srgbClr val="FF0000"/>
+                </a:solidFill>
+              </a:rPr>
+              <a:t>rot.per</a:t>
+            </a:r>
+            <a:r>
+              <a:rPr lang="en-US" altLang="ko-KR" sz="1200" dirty="0">
+                <a:solidFill>
+                  <a:srgbClr val="FF0000"/>
+                </a:solidFill>
+              </a:rPr>
+              <a:t>=.1, colors="black",</a:t>
+            </a:r>
+            <a:r>
+              <a:rPr lang="en-US" altLang="ko-KR" sz="1200" dirty="0" err="1">
+                <a:solidFill>
+                  <a:srgbClr val="FF0000"/>
+                </a:solidFill>
+              </a:rPr>
+              <a:t>ordered.colors</a:t>
+            </a:r>
+            <a:r>
+              <a:rPr lang="en-US" altLang="ko-KR" sz="1200" dirty="0">
+                <a:solidFill>
+                  <a:srgbClr val="FF0000"/>
+                </a:solidFill>
+              </a:rPr>
+              <a:t>=</a:t>
+            </a:r>
+            <a:r>
+              <a:rPr lang="en-US" altLang="ko-KR" sz="1200" dirty="0" err="1">
+                <a:solidFill>
+                  <a:srgbClr val="FF0000"/>
+                </a:solidFill>
+              </a:rPr>
+              <a:t>FALSE,use.r.layout</a:t>
+            </a:r>
+            <a:r>
+              <a:rPr lang="en-US" altLang="ko-KR" sz="1200" dirty="0">
+                <a:solidFill>
+                  <a:srgbClr val="FF0000"/>
+                </a:solidFill>
+              </a:rPr>
+              <a:t>=FALSE, fixed.asp=TRUE, ...)</a:t>
             </a:r>
           </a:p>
           <a:p>
@@ -16349,238 +16520,347 @@
                 <a:spcPct val="150000"/>
               </a:lnSpc>
             </a:pPr>
+            <a:r>
+              <a:rPr lang="en-US" altLang="ko-KR" sz="1200" dirty="0">
+                <a:latin typeface="+mn-ea"/>
+              </a:rPr>
+              <a:t>   • scale : </a:t>
+            </a:r>
+            <a:r>
+              <a:rPr lang="ko-KR" altLang="en-US" sz="1200" dirty="0">
+                <a:latin typeface="+mn-ea"/>
+              </a:rPr>
+              <a:t>빈도가 가장 큰 단어와 가장 빈도가 작은 단어 폰트 사이 크기</a:t>
+            </a:r>
+            <a:r>
+              <a:rPr lang="en-US" altLang="ko-KR" sz="1200" dirty="0">
+                <a:latin typeface="+mn-ea"/>
+              </a:rPr>
+              <a:t>, scale=c(5,0.2.)</a:t>
+            </a:r>
+          </a:p>
+          <a:p>
+            <a:pPr>
+              <a:lnSpc>
+                <a:spcPct val="150000"/>
+              </a:lnSpc>
+            </a:pPr>
+            <a:r>
+              <a:rPr lang="en-US" altLang="ko-KR" sz="1200" dirty="0">
+                <a:latin typeface="+mn-ea"/>
+              </a:rPr>
+              <a:t>   • </a:t>
+            </a:r>
+            <a:r>
+              <a:rPr lang="en-US" altLang="ko-KR" sz="1200" dirty="0" err="1">
+                <a:latin typeface="+mn-ea"/>
+              </a:rPr>
+              <a:t>rot.per</a:t>
+            </a:r>
+            <a:r>
+              <a:rPr lang="en-US" altLang="ko-KR" sz="1200" dirty="0">
+                <a:latin typeface="+mn-ea"/>
+              </a:rPr>
+              <a:t>=0.1 : 90</a:t>
+            </a:r>
+            <a:r>
+              <a:rPr lang="ko-KR" altLang="en-US" sz="1200" dirty="0">
+                <a:latin typeface="+mn-ea"/>
+              </a:rPr>
+              <a:t>도 회전해서 보여줄 단어 비율</a:t>
+            </a:r>
+          </a:p>
+          <a:p>
+            <a:pPr>
+              <a:lnSpc>
+                <a:spcPct val="150000"/>
+              </a:lnSpc>
+            </a:pPr>
+            <a:r>
+              <a:rPr lang="en-US" altLang="ko-KR" sz="1200" dirty="0">
+                <a:latin typeface="+mn-ea"/>
+              </a:rPr>
+              <a:t>   • </a:t>
+            </a:r>
+            <a:r>
+              <a:rPr lang="en-US" altLang="ko-KR" sz="1200" dirty="0" err="1">
+                <a:latin typeface="+mn-ea"/>
+              </a:rPr>
+              <a:t>min.freq</a:t>
+            </a:r>
+            <a:r>
+              <a:rPr lang="en-US" altLang="ko-KR" sz="1200" dirty="0">
+                <a:latin typeface="+mn-ea"/>
+              </a:rPr>
+              <a:t>=3, </a:t>
+            </a:r>
+            <a:r>
+              <a:rPr lang="en-US" altLang="ko-KR" sz="1200" dirty="0" err="1">
+                <a:latin typeface="+mn-ea"/>
+              </a:rPr>
+              <a:t>max.words</a:t>
+            </a:r>
+            <a:r>
+              <a:rPr lang="en-US" altLang="ko-KR" sz="1200" dirty="0">
+                <a:latin typeface="+mn-ea"/>
+              </a:rPr>
+              <a:t>=100 : </a:t>
+            </a:r>
+            <a:r>
+              <a:rPr lang="ko-KR" altLang="en-US" sz="1200" dirty="0">
+                <a:latin typeface="+mn-ea"/>
+              </a:rPr>
+              <a:t>빈도 </a:t>
+            </a:r>
+            <a:r>
+              <a:rPr lang="en-US" altLang="ko-KR" sz="1200" dirty="0">
+                <a:latin typeface="+mn-ea"/>
+              </a:rPr>
+              <a:t>3</a:t>
+            </a:r>
+            <a:r>
+              <a:rPr lang="ko-KR" altLang="en-US" sz="1200" dirty="0">
+                <a:latin typeface="+mn-ea"/>
+              </a:rPr>
+              <a:t>이상</a:t>
+            </a:r>
+            <a:r>
+              <a:rPr lang="en-US" altLang="ko-KR" sz="1200" dirty="0">
+                <a:latin typeface="+mn-ea"/>
+              </a:rPr>
+              <a:t>, 100</a:t>
+            </a:r>
+            <a:r>
+              <a:rPr lang="ko-KR" altLang="en-US" sz="1200" dirty="0">
+                <a:latin typeface="+mn-ea"/>
+              </a:rPr>
+              <a:t>미만 단어 표현</a:t>
+            </a:r>
+          </a:p>
+          <a:p>
+            <a:pPr>
+              <a:lnSpc>
+                <a:spcPct val="150000"/>
+              </a:lnSpc>
+            </a:pPr>
+            <a:r>
+              <a:rPr lang="en-US" altLang="ko-KR" sz="1200" dirty="0">
+                <a:latin typeface="+mn-ea"/>
+              </a:rPr>
+              <a:t>   • </a:t>
+            </a:r>
+            <a:r>
+              <a:rPr lang="en-US" altLang="ko-KR" sz="1200" dirty="0" err="1">
+                <a:latin typeface="+mn-ea"/>
+              </a:rPr>
+              <a:t>random.order</a:t>
+            </a:r>
+            <a:r>
+              <a:rPr lang="en-US" altLang="ko-KR" sz="1200" dirty="0">
+                <a:latin typeface="+mn-ea"/>
+              </a:rPr>
+              <a:t>=F : True(</a:t>
+            </a:r>
+            <a:r>
+              <a:rPr lang="ko-KR" altLang="en-US" sz="1200" dirty="0">
+                <a:latin typeface="+mn-ea"/>
+              </a:rPr>
+              <a:t>랜덤배치</a:t>
+            </a:r>
+            <a:r>
+              <a:rPr lang="en-US" altLang="ko-KR" sz="1200" dirty="0">
+                <a:latin typeface="+mn-ea"/>
+              </a:rPr>
+              <a:t>) / False(</a:t>
+            </a:r>
+            <a:r>
+              <a:rPr lang="ko-KR" altLang="en-US" sz="1200" dirty="0">
+                <a:latin typeface="+mn-ea"/>
+              </a:rPr>
+              <a:t>빈도수가 </a:t>
+            </a:r>
+            <a:r>
+              <a:rPr lang="ko-KR" altLang="en-US" sz="1200" dirty="0" err="1">
+                <a:latin typeface="+mn-ea"/>
+              </a:rPr>
+              <a:t>큰단어를</a:t>
+            </a:r>
+            <a:r>
+              <a:rPr lang="ko-KR" altLang="en-US" sz="1200" dirty="0">
+                <a:latin typeface="+mn-ea"/>
+              </a:rPr>
+              <a:t> 중앙에 배치</a:t>
+            </a:r>
+            <a:r>
+              <a:rPr lang="en-US" altLang="ko-KR" sz="1200" dirty="0">
+                <a:latin typeface="+mn-ea"/>
+              </a:rPr>
+              <a:t>)</a:t>
+            </a:r>
+          </a:p>
+          <a:p>
+            <a:pPr>
+              <a:lnSpc>
+                <a:spcPct val="150000"/>
+              </a:lnSpc>
+            </a:pPr>
+            <a:r>
+              <a:rPr lang="en-US" altLang="ko-KR" sz="1200" dirty="0">
+                <a:latin typeface="+mn-ea"/>
+              </a:rPr>
+              <a:t>   • </a:t>
+            </a:r>
+            <a:r>
+              <a:rPr lang="en-US" altLang="ko-KR" sz="1200" dirty="0" err="1">
+                <a:latin typeface="+mn-ea"/>
+              </a:rPr>
+              <a:t>random.color</a:t>
+            </a:r>
+            <a:r>
+              <a:rPr lang="en-US" altLang="ko-KR" sz="1200" dirty="0">
+                <a:latin typeface="+mn-ea"/>
+              </a:rPr>
+              <a:t>=T : True(</a:t>
+            </a:r>
+            <a:r>
+              <a:rPr lang="ko-KR" altLang="en-US" sz="1200" dirty="0">
+                <a:latin typeface="+mn-ea"/>
+              </a:rPr>
+              <a:t>색상랜덤</a:t>
+            </a:r>
+            <a:r>
+              <a:rPr lang="en-US" altLang="ko-KR" sz="1200" dirty="0">
+                <a:latin typeface="+mn-ea"/>
+              </a:rPr>
+              <a:t>) / False(</a:t>
+            </a:r>
+            <a:r>
+              <a:rPr lang="ko-KR" altLang="en-US" sz="1200" dirty="0">
+                <a:latin typeface="+mn-ea"/>
+              </a:rPr>
+              <a:t>빈도수순으로 색상표현</a:t>
+            </a:r>
+            <a:r>
+              <a:rPr lang="en-US" altLang="ko-KR" sz="1200" dirty="0">
+                <a:latin typeface="+mn-ea"/>
+              </a:rPr>
+              <a:t>)</a:t>
+            </a:r>
+          </a:p>
+          <a:p>
+            <a:pPr>
+              <a:lnSpc>
+                <a:spcPct val="150000"/>
+              </a:lnSpc>
+            </a:pPr>
+            <a:r>
+              <a:rPr lang="en-US" altLang="ko-KR" sz="1200" dirty="0">
+                <a:latin typeface="+mn-ea"/>
+              </a:rPr>
+              <a:t>   • colors=</a:t>
+            </a:r>
+            <a:r>
+              <a:rPr lang="ko-KR" altLang="en-US" sz="1200" dirty="0">
+                <a:latin typeface="+mn-ea"/>
+              </a:rPr>
+              <a:t>색상이름</a:t>
+            </a:r>
+            <a:r>
+              <a:rPr lang="en-US" altLang="ko-KR" sz="1200" dirty="0">
+                <a:latin typeface="+mn-ea"/>
+              </a:rPr>
+              <a:t>  </a:t>
+            </a:r>
+          </a:p>
+          <a:p>
+            <a:pPr>
+              <a:lnSpc>
+                <a:spcPct val="150000"/>
+              </a:lnSpc>
+            </a:pPr>
+            <a:r>
+              <a:rPr lang="en-US" altLang="ko-KR" sz="1200" dirty="0">
+                <a:latin typeface="+mn-ea"/>
+              </a:rPr>
+              <a:t>   • family : </a:t>
+            </a:r>
+            <a:r>
+              <a:rPr lang="ko-KR" altLang="en-US" sz="1200" dirty="0">
+                <a:latin typeface="+mn-ea"/>
+              </a:rPr>
+              <a:t>폰트</a:t>
+            </a:r>
+          </a:p>
+          <a:p>
+            <a:pPr>
+              <a:lnSpc>
+                <a:spcPct val="150000"/>
+              </a:lnSpc>
+            </a:pPr>
+            <a:r>
+              <a:rPr lang="en-US" altLang="ko-KR" sz="1200" dirty="0" err="1">
+                <a:latin typeface="+mn-ea"/>
+              </a:rPr>
+              <a:t>savePlot</a:t>
+            </a:r>
+            <a:r>
+              <a:rPr lang="en-US" altLang="ko-KR" sz="1200" dirty="0">
+                <a:latin typeface="+mn-ea"/>
+              </a:rPr>
+              <a:t>(</a:t>
+            </a:r>
+            <a:r>
+              <a:rPr lang="en-US" altLang="ko-KR" sz="1200" dirty="0" err="1">
+                <a:latin typeface="+mn-ea"/>
+              </a:rPr>
+              <a:t>szWordCloudImageFile</a:t>
+            </a:r>
+            <a:r>
+              <a:rPr lang="en-US" altLang="ko-KR" sz="1200" dirty="0">
+                <a:latin typeface="+mn-ea"/>
+              </a:rPr>
+              <a:t>, type="</a:t>
+            </a:r>
+            <a:r>
+              <a:rPr lang="en-US" altLang="ko-KR" sz="1200" dirty="0" err="1">
+                <a:latin typeface="+mn-ea"/>
+              </a:rPr>
+              <a:t>png</a:t>
+            </a:r>
+            <a:r>
+              <a:rPr lang="en-US" altLang="ko-KR" sz="1200" dirty="0">
+                <a:latin typeface="+mn-ea"/>
+              </a:rPr>
+              <a:t>") : </a:t>
+            </a:r>
+            <a:r>
+              <a:rPr lang="en-US" altLang="ko-KR" sz="1200" dirty="0" err="1">
+                <a:latin typeface="+mn-ea"/>
+              </a:rPr>
+              <a:t>WordCloud</a:t>
+            </a:r>
+            <a:r>
+              <a:rPr lang="en-US" altLang="ko-KR" sz="1200" dirty="0">
+                <a:latin typeface="+mn-ea"/>
+              </a:rPr>
+              <a:t> </a:t>
+            </a:r>
+            <a:r>
+              <a:rPr lang="ko-KR" altLang="en-US" sz="1200" dirty="0">
+                <a:latin typeface="+mn-ea"/>
+              </a:rPr>
+              <a:t>결과를 이미지 파일로 저장</a:t>
+            </a:r>
             <a:endParaRPr lang="en-US" altLang="ko-KR" sz="1200" dirty="0">
               <a:latin typeface="+mn-ea"/>
             </a:endParaRPr>
           </a:p>
-          <a:p>
-            <a:pPr>
-              <a:lnSpc>
-                <a:spcPct val="150000"/>
-              </a:lnSpc>
-            </a:pPr>
-            <a:r>
-              <a:rPr lang="en-US" altLang="ko-KR" sz="1200" dirty="0">
-                <a:latin typeface="+mn-ea"/>
-              </a:rPr>
-              <a:t> </a:t>
-            </a:r>
-            <a:r>
-              <a:rPr lang="en-US" altLang="ko-KR" sz="1200" dirty="0" err="1">
-                <a:latin typeface="+mn-ea"/>
-              </a:rPr>
-              <a:t>wordcloud</a:t>
-            </a:r>
-            <a:r>
-              <a:rPr lang="en-US" altLang="ko-KR" sz="1200" dirty="0">
-                <a:latin typeface="+mn-ea"/>
-              </a:rPr>
-              <a:t>(names(v), v, </a:t>
-            </a:r>
-            <a:r>
-              <a:rPr lang="en-US" altLang="ko-KR" sz="1200" dirty="0" err="1">
-                <a:latin typeface="+mn-ea"/>
-              </a:rPr>
-              <a:t>min.freq</a:t>
-            </a:r>
-            <a:r>
-              <a:rPr lang="en-US" altLang="ko-KR" sz="1200" dirty="0">
-                <a:latin typeface="+mn-ea"/>
-              </a:rPr>
-              <a:t> = 2., </a:t>
-            </a:r>
-            <a:r>
-              <a:rPr lang="en-US" altLang="ko-KR" sz="1200" dirty="0" err="1">
-                <a:latin typeface="+mn-ea"/>
-              </a:rPr>
-              <a:t>random.order</a:t>
-            </a:r>
-            <a:r>
-              <a:rPr lang="en-US" altLang="ko-KR" sz="1200" dirty="0">
-                <a:latin typeface="+mn-ea"/>
-              </a:rPr>
-              <a:t> = FALSE, </a:t>
-            </a:r>
-            <a:r>
-              <a:rPr lang="en-US" altLang="ko-KR" sz="1200" dirty="0" err="1">
-                <a:latin typeface="+mn-ea"/>
-              </a:rPr>
-              <a:t>rot.per</a:t>
-            </a:r>
-            <a:r>
-              <a:rPr lang="en-US" altLang="ko-KR" sz="1200" dirty="0">
-                <a:latin typeface="+mn-ea"/>
-              </a:rPr>
-              <a:t> = 0.1, scale = c(4, 1), </a:t>
-            </a:r>
-          </a:p>
-          <a:p>
-            <a:pPr>
-              <a:lnSpc>
-                <a:spcPct val="150000"/>
-              </a:lnSpc>
-            </a:pPr>
-            <a:r>
-              <a:rPr lang="en-US" altLang="ko-KR" sz="1200" dirty="0">
-                <a:latin typeface="+mn-ea"/>
-              </a:rPr>
-              <a:t>colors = c("pink", "blue", "green", "red"))</a:t>
-            </a:r>
-          </a:p>
-          <a:p>
-            <a:pPr>
-              <a:lnSpc>
-                <a:spcPct val="150000"/>
-              </a:lnSpc>
-            </a:pPr>
-            <a:endParaRPr lang="en-US" altLang="ko-KR" sz="1200" dirty="0">
-              <a:latin typeface="+mn-ea"/>
-            </a:endParaRPr>
-          </a:p>
-          <a:p>
-            <a:pPr>
-              <a:lnSpc>
-                <a:spcPct val="150000"/>
-              </a:lnSpc>
-            </a:pPr>
-            <a:endParaRPr lang="en-US" altLang="ko-KR" sz="1200" dirty="0">
-              <a:latin typeface="+mn-ea"/>
-            </a:endParaRPr>
-          </a:p>
         </p:txBody>
       </p:sp>
-      <p:pic>
-        <p:nvPicPr>
-          <p:cNvPr id="10242" name="Picture 2"/>
-          <p:cNvPicPr>
-            <a:picLocks noChangeAspect="1" noChangeArrowheads="1"/>
-          </p:cNvPicPr>
-          <p:nvPr/>
-        </p:nvPicPr>
-        <p:blipFill>
-          <a:blip r:embed="rId2">
-            <a:extLst>
-              <a:ext uri="{28A0092B-C50C-407E-A947-70E740481C1C}">
-                <a14:useLocalDpi xmlns:a14="http://schemas.microsoft.com/office/drawing/2010/main" val="0"/>
-              </a:ext>
-            </a:extLst>
-          </a:blip>
-          <a:srcRect/>
-          <a:stretch>
-            <a:fillRect/>
-          </a:stretch>
-        </p:blipFill>
-        <p:spPr bwMode="auto">
-          <a:xfrm>
-            <a:off x="4804385" y="1758914"/>
-            <a:ext cx="5950766" cy="1200150"/>
-          </a:xfrm>
-          <a:prstGeom prst="rect">
-            <a:avLst/>
-          </a:prstGeom>
-          <a:noFill/>
-          <a:ln>
-            <a:noFill/>
-          </a:ln>
-          <a:effectLst/>
-          <a:extLst>
-            <a:ext uri="{909E8E84-426E-40DD-AFC4-6F175D3DCCD1}">
-              <a14:hiddenFill xmlns:a14="http://schemas.microsoft.com/office/drawing/2010/main">
-                <a:solidFill>
-                  <a:schemeClr val="accent1"/>
-                </a:solidFill>
-              </a14:hiddenFill>
-            </a:ext>
-            <a:ext uri="{91240B29-F687-4F45-9708-019B960494DF}">
-              <a14:hiddenLine xmlns:a14="http://schemas.microsoft.com/office/drawing/2010/main" w="9525">
-                <a:solidFill>
-                  <a:schemeClr val="tx1"/>
-                </a:solidFill>
-                <a:miter lim="800000"/>
-                <a:headEnd/>
-                <a:tailEnd/>
-              </a14:hiddenLine>
-            </a:ext>
-            <a:ext uri="{AF507438-7753-43E0-B8FC-AC1667EBCBE1}">
-              <a14:hiddenEffects xmlns:a14="http://schemas.microsoft.com/office/drawing/2010/main">
-                <a:effectLst>
-                  <a:outerShdw dist="35921" dir="2700000" algn="ctr" rotWithShape="0">
-                    <a:schemeClr val="bg2"/>
-                  </a:outerShdw>
-                </a:effectLst>
-              </a14:hiddenEffects>
-            </a:ext>
-          </a:extLst>
-        </p:spPr>
-      </p:pic>
-      <p:pic>
-        <p:nvPicPr>
-          <p:cNvPr id="10244" name="Picture 4"/>
-          <p:cNvPicPr>
-            <a:picLocks noChangeAspect="1" noChangeArrowheads="1"/>
-          </p:cNvPicPr>
-          <p:nvPr/>
-        </p:nvPicPr>
-        <p:blipFill>
-          <a:blip r:embed="rId3">
-            <a:extLst>
-              <a:ext uri="{28A0092B-C50C-407E-A947-70E740481C1C}">
-                <a14:useLocalDpi xmlns:a14="http://schemas.microsoft.com/office/drawing/2010/main" val="0"/>
-              </a:ext>
-            </a:extLst>
-          </a:blip>
-          <a:srcRect/>
-          <a:stretch>
-            <a:fillRect/>
-          </a:stretch>
-        </p:blipFill>
-        <p:spPr bwMode="auto">
-          <a:xfrm>
-            <a:off x="6730161" y="3809670"/>
-            <a:ext cx="2964842" cy="2410378"/>
-          </a:xfrm>
-          <a:prstGeom prst="rect">
-            <a:avLst/>
-          </a:prstGeom>
-          <a:noFill/>
-          <a:ln>
-            <a:noFill/>
-          </a:ln>
-          <a:effectLst/>
-          <a:extLst>
-            <a:ext uri="{909E8E84-426E-40DD-AFC4-6F175D3DCCD1}">
-              <a14:hiddenFill xmlns:a14="http://schemas.microsoft.com/office/drawing/2010/main">
-                <a:solidFill>
-                  <a:schemeClr val="accent1"/>
-                </a:solidFill>
-              </a14:hiddenFill>
-            </a:ext>
-            <a:ext uri="{91240B29-F687-4F45-9708-019B960494DF}">
-              <a14:hiddenLine xmlns:a14="http://schemas.microsoft.com/office/drawing/2010/main" w="9525">
-                <a:solidFill>
-                  <a:schemeClr val="tx1"/>
-                </a:solidFill>
-                <a:miter lim="800000"/>
-                <a:headEnd/>
-                <a:tailEnd/>
-              </a14:hiddenLine>
-            </a:ext>
-            <a:ext uri="{AF507438-7753-43E0-B8FC-AC1667EBCBE1}">
-              <a14:hiddenEffects xmlns:a14="http://schemas.microsoft.com/office/drawing/2010/main">
-                <a:effectLst>
-                  <a:outerShdw dist="35921" dir="2700000" algn="ctr" rotWithShape="0">
-                    <a:schemeClr val="bg2"/>
-                  </a:outerShdw>
-                </a:effectLst>
-              </a14:hiddenEffects>
-            </a:ext>
-          </a:extLst>
-        </p:spPr>
-      </p:pic>
     </p:spTree>
     <p:extLst>
       <p:ext uri="{BB962C8B-B14F-4D97-AF65-F5344CB8AC3E}">
-        <p14:creationId xmlns:p14="http://schemas.microsoft.com/office/powerpoint/2010/main" val="355035293"/>
+        <p14:creationId xmlns:p14="http://schemas.microsoft.com/office/powerpoint/2010/main" val="3792211149"/>
       </p:ext>
     </p:extLst>
   </p:cSld>
@@ -16805,7 +17085,7 @@
           <a:p>
             <a:r>
               <a:rPr lang="en-US" altLang="ko-KR" b="1" dirty="0"/>
-              <a:t>4. </a:t>
+              <a:t>5. </a:t>
             </a:r>
             <a:r>
               <a:rPr lang="ko-KR" altLang="en-US" b="1" dirty="0"/>
@@ -16831,8 +17111,8 @@
         </p:nvSpPr>
         <p:spPr>
           <a:xfrm>
-            <a:off x="1942457" y="1732361"/>
-            <a:ext cx="8176827" cy="3139321"/>
+            <a:off x="1942457" y="1732360"/>
+            <a:ext cx="8176827" cy="2862322"/>
           </a:xfrm>
           <a:prstGeom prst="rect">
             <a:avLst/>
@@ -16854,88 +17134,22 @@
               </a:lnSpc>
             </a:pPr>
             <a:r>
-              <a:rPr lang="ko-KR" altLang="en-US" sz="1200" dirty="0">
-                <a:latin typeface="+mn-ea"/>
-              </a:rPr>
-              <a:t>동시출현</a:t>
-            </a:r>
-            <a:r>
-              <a:rPr lang="en-US" altLang="ko-KR" sz="1200" dirty="0">
-                <a:latin typeface="+mn-ea"/>
-              </a:rPr>
-              <a:t>(Co-occurrence)</a:t>
-            </a:r>
-            <a:r>
-              <a:rPr lang="ko-KR" altLang="en-US" sz="1200" dirty="0">
-                <a:latin typeface="+mn-ea"/>
-              </a:rPr>
-              <a:t>이란 한 문장</a:t>
-            </a:r>
-            <a:r>
-              <a:rPr lang="en-US" altLang="ko-KR" sz="1200" dirty="0">
-                <a:latin typeface="+mn-ea"/>
-              </a:rPr>
-              <a:t>, </a:t>
-            </a:r>
-            <a:r>
-              <a:rPr lang="ko-KR" altLang="en-US" sz="1200" dirty="0">
-                <a:latin typeface="+mn-ea"/>
-              </a:rPr>
-              <a:t>문단 또는 텍스트 단위에서 같이 출현한 단어를 가리킵니다</a:t>
-            </a:r>
-            <a:r>
-              <a:rPr lang="en-US" altLang="ko-KR" sz="1200" dirty="0">
-                <a:latin typeface="+mn-ea"/>
-              </a:rPr>
-              <a:t>. </a:t>
-            </a:r>
-            <a:r>
-              <a:rPr lang="ko-KR" altLang="en-US" sz="1200" dirty="0">
-                <a:latin typeface="+mn-ea"/>
-              </a:rPr>
-              <a:t>단어의 연결성</a:t>
-            </a:r>
-            <a:r>
-              <a:rPr lang="en-US" altLang="ko-KR" sz="1200" dirty="0">
-                <a:latin typeface="+mn-ea"/>
-              </a:rPr>
-              <a:t>(collocation)</a:t>
-            </a:r>
-            <a:r>
-              <a:rPr lang="ko-KR" altLang="en-US" sz="1200" dirty="0">
-                <a:latin typeface="+mn-ea"/>
-              </a:rPr>
-              <a:t>을 찾는 데 활용된다</a:t>
-            </a:r>
-            <a:r>
-              <a:rPr lang="en-US" altLang="ko-KR" sz="1200" dirty="0">
-                <a:latin typeface="+mn-ea"/>
-              </a:rPr>
-              <a:t>. </a:t>
-            </a:r>
-            <a:r>
-              <a:rPr lang="ko-KR" altLang="en-US" sz="1200" dirty="0">
-                <a:latin typeface="+mn-ea"/>
-              </a:rPr>
-              <a:t>이 개념에서 출발한 동시출현 네트워크</a:t>
-            </a:r>
-            <a:r>
-              <a:rPr lang="en-US" altLang="ko-KR" sz="1200" dirty="0">
-                <a:latin typeface="+mn-ea"/>
-              </a:rPr>
-              <a:t>(Co-occurrence networks)</a:t>
-            </a:r>
-            <a:r>
-              <a:rPr lang="ko-KR" altLang="en-US" sz="1200" dirty="0">
-                <a:latin typeface="+mn-ea"/>
-              </a:rPr>
-              <a:t>는 특정 텍스트 단위에서 공동으로 출현한 단어의 집합적 상호 연결을 표현하는 방식이다</a:t>
-            </a:r>
-            <a:r>
-              <a:rPr lang="en-US" altLang="ko-KR" sz="1200" dirty="0">
-                <a:latin typeface="+mn-ea"/>
-              </a:rPr>
-              <a:t>. </a:t>
+              <a:rPr lang="en-US" altLang="ko-KR" sz="1200" dirty="0">
+                <a:latin typeface="+mn-ea"/>
+              </a:rPr>
+              <a:t>library(</a:t>
+            </a:r>
+            <a:r>
+              <a:rPr lang="en-US" altLang="ko-KR" sz="1200" dirty="0" err="1">
+                <a:latin typeface="+mn-ea"/>
+              </a:rPr>
+              <a:t>wordcloud</a:t>
+            </a:r>
+            <a:r>
+              <a:rPr lang="en-US" altLang="ko-KR" sz="1200" dirty="0">
+                <a:latin typeface="+mn-ea"/>
+              </a:rPr>
+              <a:t>)</a:t>
             </a:r>
           </a:p>
           <a:p>
@@ -16955,70 +17169,35 @@
               </a:lnSpc>
             </a:pPr>
             <a:r>
-              <a:rPr lang="ko-KR" altLang="en-US" sz="1200" dirty="0">
-                <a:latin typeface="+mn-ea"/>
-              </a:rPr>
-              <a:t>나타나는 단어를 모두 표시한 뒤</a:t>
-            </a:r>
-            <a:r>
-              <a:rPr lang="en-US" altLang="ko-KR" sz="1200" dirty="0">
-                <a:latin typeface="+mn-ea"/>
-              </a:rPr>
-              <a:t>, </a:t>
-            </a:r>
-            <a:r>
-              <a:rPr lang="ko-KR" altLang="en-US" sz="1200" dirty="0">
-                <a:latin typeface="+mn-ea"/>
-              </a:rPr>
-              <a:t>둘 사이를 선으로 연결해 나가다 보면 단어의 네트워크를 만들 수 있다</a:t>
-            </a:r>
-            <a:r>
-              <a:rPr lang="en-US" altLang="ko-KR" sz="1200" dirty="0">
-                <a:latin typeface="+mn-ea"/>
-              </a:rPr>
-              <a:t>. </a:t>
+              <a:rPr lang="en-US" altLang="ko-KR" sz="1200" dirty="0">
+                <a:latin typeface="+mn-ea"/>
+              </a:rPr>
+              <a:t>v &lt;- sort(</a:t>
             </a:r>
             <a:r>
               <a:rPr lang="en-US" altLang="ko-KR" sz="1200" dirty="0" err="1">
                 <a:latin typeface="+mn-ea"/>
               </a:rPr>
-              <a:t>qgraph</a:t>
-            </a:r>
-            <a:r>
-              <a:rPr lang="en-US" altLang="ko-KR" sz="1200" dirty="0">
-                <a:latin typeface="+mn-ea"/>
-              </a:rPr>
-              <a:t> </a:t>
-            </a:r>
-            <a:r>
-              <a:rPr lang="ko-KR" altLang="en-US" sz="1200" dirty="0">
-                <a:latin typeface="+mn-ea"/>
-              </a:rPr>
-              <a:t>패키지의 </a:t>
-            </a:r>
-            <a:r>
-              <a:rPr lang="en-US" altLang="ko-KR" sz="1200" dirty="0" err="1">
-                <a:latin typeface="+mn-ea"/>
-              </a:rPr>
-              <a:t>qgraph</a:t>
-            </a:r>
-            <a:r>
-              <a:rPr lang="en-US" altLang="ko-KR" sz="1200" dirty="0">
-                <a:latin typeface="+mn-ea"/>
-              </a:rPr>
-              <a:t>() </a:t>
-            </a:r>
-            <a:r>
-              <a:rPr lang="ko-KR" altLang="en-US" sz="1200" dirty="0">
-                <a:latin typeface="+mn-ea"/>
-              </a:rPr>
-              <a:t>함수를 사용한다</a:t>
-            </a:r>
-            <a:r>
-              <a:rPr lang="en-US" altLang="ko-KR" sz="1200" dirty="0">
-                <a:latin typeface="+mn-ea"/>
-              </a:rPr>
-              <a:t>.</a:t>
+              <a:t>rowSums</a:t>
+            </a:r>
+            <a:r>
+              <a:rPr lang="en-US" altLang="ko-KR" sz="1200" dirty="0">
+                <a:latin typeface="+mn-ea"/>
+              </a:rPr>
+              <a:t>(m), decreasing=T)</a:t>
+            </a:r>
+          </a:p>
+          <a:p>
+            <a:pPr>
+              <a:lnSpc>
+                <a:spcPct val="150000"/>
+              </a:lnSpc>
+            </a:pPr>
+            <a:r>
+              <a:rPr lang="en-US" altLang="ko-KR" sz="1200" dirty="0">
+                <a:latin typeface="+mn-ea"/>
+              </a:rPr>
+              <a:t>v</a:t>
             </a:r>
           </a:p>
           <a:p>
@@ -17037,62 +17216,6 @@
                 <a:spcPct val="150000"/>
               </a:lnSpc>
             </a:pPr>
-            <a:r>
-              <a:rPr lang="en-US" altLang="ko-KR" sz="1200" dirty="0" err="1">
-                <a:latin typeface="+mn-ea"/>
-              </a:rPr>
-              <a:t>install.packages</a:t>
-            </a:r>
-            <a:r>
-              <a:rPr lang="en-US" altLang="ko-KR" sz="1200" dirty="0">
-                <a:latin typeface="+mn-ea"/>
-              </a:rPr>
-              <a:t>("</a:t>
-            </a:r>
-            <a:r>
-              <a:rPr lang="en-US" altLang="ko-KR" sz="1200" dirty="0" err="1">
-                <a:latin typeface="+mn-ea"/>
-              </a:rPr>
-              <a:t>qgraph</a:t>
-            </a:r>
-            <a:r>
-              <a:rPr lang="en-US" altLang="ko-KR" sz="1200" dirty="0">
-                <a:latin typeface="+mn-ea"/>
-              </a:rPr>
-              <a:t>")</a:t>
-            </a:r>
-          </a:p>
-          <a:p>
-            <a:pPr>
-              <a:lnSpc>
-                <a:spcPct val="150000"/>
-              </a:lnSpc>
-            </a:pPr>
-            <a:r>
-              <a:rPr lang="en-US" altLang="ko-KR" sz="1200" dirty="0">
-                <a:latin typeface="+mn-ea"/>
-              </a:rPr>
-              <a:t>library(</a:t>
-            </a:r>
-            <a:r>
-              <a:rPr lang="en-US" altLang="ko-KR" sz="1200" dirty="0" err="1">
-                <a:latin typeface="+mn-ea"/>
-              </a:rPr>
-              <a:t>qgraph</a:t>
-            </a:r>
-            <a:r>
-              <a:rPr lang="en-US" altLang="ko-KR" sz="1200" dirty="0">
-                <a:latin typeface="+mn-ea"/>
-              </a:rPr>
-              <a:t>)</a:t>
-            </a:r>
-          </a:p>
-          <a:p>
-            <a:pPr>
-              <a:lnSpc>
-                <a:spcPct val="150000"/>
-              </a:lnSpc>
-            </a:pPr>
             <a:endParaRPr lang="en-US" altLang="ko-KR" sz="1200" dirty="0">
               <a:latin typeface="+mn-ea"/>
             </a:endParaRPr>
@@ -17104,103 +17227,98 @@
               </a:lnSpc>
             </a:pPr>
             <a:r>
+              <a:rPr lang="en-US" altLang="ko-KR" sz="1200" dirty="0">
+                <a:latin typeface="+mn-ea"/>
+              </a:rPr>
+              <a:t> </a:t>
+            </a:r>
+            <a:r>
               <a:rPr lang="en-US" altLang="ko-KR" sz="1200" dirty="0" err="1">
                 <a:latin typeface="+mn-ea"/>
               </a:rPr>
-              <a:t>qgraph</a:t>
-            </a:r>
-            <a:r>
-              <a:rPr lang="en-US" altLang="ko-KR" sz="1200" dirty="0">
-                <a:latin typeface="+mn-ea"/>
-              </a:rPr>
-              <a:t>(com, labels=</a:t>
+              <a:t>wordcloud</a:t>
+            </a:r>
+            <a:r>
+              <a:rPr lang="en-US" altLang="ko-KR" sz="1200" dirty="0">
+                <a:latin typeface="+mn-ea"/>
+              </a:rPr>
+              <a:t>(names(v), v, </a:t>
             </a:r>
             <a:r>
               <a:rPr lang="en-US" altLang="ko-KR" sz="1200" dirty="0" err="1">
                 <a:latin typeface="+mn-ea"/>
               </a:rPr>
-              <a:t>rownames</a:t>
-            </a:r>
-            <a:r>
-              <a:rPr lang="en-US" altLang="ko-KR" sz="1200" dirty="0">
-                <a:latin typeface="+mn-ea"/>
-              </a:rPr>
-              <a:t>(com), </a:t>
+              <a:t>min.freq</a:t>
+            </a:r>
+            <a:r>
+              <a:rPr lang="en-US" altLang="ko-KR" sz="1200" dirty="0">
+                <a:latin typeface="+mn-ea"/>
+              </a:rPr>
+              <a:t> = 2., </a:t>
             </a:r>
             <a:r>
               <a:rPr lang="en-US" altLang="ko-KR" sz="1200" dirty="0" err="1">
                 <a:latin typeface="+mn-ea"/>
               </a:rPr>
-              <a:t>diag</a:t>
-            </a:r>
-            <a:r>
-              <a:rPr lang="en-US" altLang="ko-KR" sz="1200" dirty="0">
-                <a:latin typeface="+mn-ea"/>
-              </a:rPr>
-              <a:t>=F, </a:t>
-            </a:r>
-          </a:p>
-          <a:p>
-            <a:pPr>
-              <a:lnSpc>
-                <a:spcPct val="150000"/>
-              </a:lnSpc>
-            </a:pPr>
-            <a:r>
-              <a:rPr lang="en-US" altLang="ko-KR" sz="1200" dirty="0">
-                <a:latin typeface="+mn-ea"/>
-              </a:rPr>
-              <a:t>layout='spring',  </a:t>
+              <a:t>random.order</a:t>
+            </a:r>
+            <a:r>
+              <a:rPr lang="en-US" altLang="ko-KR" sz="1200" dirty="0">
+                <a:latin typeface="+mn-ea"/>
+              </a:rPr>
+              <a:t> = FALSE, </a:t>
             </a:r>
             <a:r>
               <a:rPr lang="en-US" altLang="ko-KR" sz="1200" dirty="0" err="1">
                 <a:latin typeface="+mn-ea"/>
               </a:rPr>
-              <a:t>edge.color</a:t>
-            </a:r>
-            <a:r>
-              <a:rPr lang="en-US" altLang="ko-KR" sz="1200" dirty="0">
-                <a:latin typeface="+mn-ea"/>
-              </a:rPr>
-              <a:t>='blue', </a:t>
-            </a:r>
-          </a:p>
-          <a:p>
-            <a:pPr>
-              <a:lnSpc>
-                <a:spcPct val="150000"/>
-              </a:lnSpc>
-            </a:pPr>
-            <a:r>
-              <a:rPr lang="en-US" altLang="ko-KR" sz="1200" dirty="0" err="1">
-                <a:latin typeface="+mn-ea"/>
-              </a:rPr>
-              <a:t>vsize</a:t>
-            </a:r>
-            <a:r>
-              <a:rPr lang="en-US" altLang="ko-KR" sz="1200" dirty="0">
-                <a:latin typeface="+mn-ea"/>
-              </a:rPr>
-              <a:t>=log(</a:t>
-            </a:r>
-            <a:r>
-              <a:rPr lang="en-US" altLang="ko-KR" sz="1200" dirty="0" err="1">
-                <a:latin typeface="+mn-ea"/>
-              </a:rPr>
-              <a:t>diag</a:t>
-            </a:r>
-            <a:r>
-              <a:rPr lang="en-US" altLang="ko-KR" sz="1200" dirty="0">
-                <a:latin typeface="+mn-ea"/>
-              </a:rPr>
-              <a:t>(com)*800))</a:t>
-            </a:r>
+              <a:t>rot.per</a:t>
+            </a:r>
+            <a:r>
+              <a:rPr lang="en-US" altLang="ko-KR" sz="1200" dirty="0">
+                <a:latin typeface="+mn-ea"/>
+              </a:rPr>
+              <a:t> = 0.1, scale = c(4, 1), </a:t>
+            </a:r>
+          </a:p>
+          <a:p>
+            <a:pPr>
+              <a:lnSpc>
+                <a:spcPct val="150000"/>
+              </a:lnSpc>
+            </a:pPr>
+            <a:r>
+              <a:rPr lang="en-US" altLang="ko-KR" sz="1200" dirty="0">
+                <a:latin typeface="+mn-ea"/>
+              </a:rPr>
+              <a:t>colors = c("pink", "blue", "green", "red"))</a:t>
+            </a:r>
+          </a:p>
+          <a:p>
+            <a:pPr>
+              <a:lnSpc>
+                <a:spcPct val="150000"/>
+              </a:lnSpc>
+            </a:pPr>
+            <a:endParaRPr lang="en-US" altLang="ko-KR" sz="1200" dirty="0">
+              <a:latin typeface="+mn-ea"/>
+            </a:endParaRPr>
+          </a:p>
+          <a:p>
+            <a:pPr>
+              <a:lnSpc>
+                <a:spcPct val="150000"/>
+              </a:lnSpc>
+            </a:pPr>
+            <a:endParaRPr lang="en-US" altLang="ko-KR" sz="1200" dirty="0">
+              <a:latin typeface="+mn-ea"/>
+            </a:endParaRPr>
           </a:p>
         </p:txBody>
       </p:sp>
       <p:pic>
         <p:nvPicPr>
-          <p:cNvPr id="9218" name="Picture 2"/>
+          <p:cNvPr id="10242" name="Picture 2"/>
           <p:cNvPicPr>
             <a:picLocks noChangeAspect="1" noChangeArrowheads="1"/>
           </p:cNvPicPr>
@@ -17221,8 +17339,72 @@
         </p:blipFill>
         <p:spPr bwMode="auto">
           <a:xfrm>
-            <a:off x="5321595" y="3274829"/>
-            <a:ext cx="5032514" cy="3136605"/>
+            <a:off x="4804385" y="1758914"/>
+            <a:ext cx="5950766" cy="1200150"/>
+          </a:xfrm>
+          <a:prstGeom prst="rect">
+            <a:avLst/>
+          </a:prstGeom>
+          <a:noFill/>
+          <a:ln>
+            <a:noFill/>
+          </a:ln>
+          <a:effectLst/>
+          <a:extLst>
+            <a:ext uri="{909E8E84-426E-40DD-AFC4-6F175D3DCCD1}">
+              <a14:hiddenFill xmlns:a14="http://schemas.microsoft.com/office/drawing/2010/main">
+                <a:solidFill>
+                  <a:schemeClr val="accent1"/>
+                </a:solidFill>
+              </a14:hiddenFill>
+            </a:ext>
+            <a:ext uri="{91240B29-F687-4F45-9708-019B960494DF}">
+              <a14:hiddenLine xmlns:a14="http://schemas.microsoft.com/office/drawing/2010/main" w="9525">
+                <a:solidFill>
+                  <a:schemeClr val="tx1"/>
+                </a:solidFill>
+                <a:miter lim="800000"/>
+                <a:headEnd/>
+                <a:tailEnd/>
+              </a14:hiddenLine>
+            </a:ext>
+            <a:ext uri="{AF507438-7753-43E0-B8FC-AC1667EBCBE1}">
+              <a14:hiddenEffects xmlns:a14="http://schemas.microsoft.com/office/drawing/2010/main">
+                <a:effectLst>
+                  <a:outerShdw dist="35921" dir="2700000" algn="ctr" rotWithShape="0">
+                    <a:schemeClr val="bg2"/>
+                  </a:outerShdw>
+                </a:effectLst>
+              </a14:hiddenEffects>
+            </a:ext>
+          </a:extLst>
+        </p:spPr>
+      </p:pic>
+      <p:pic>
+        <p:nvPicPr>
+          <p:cNvPr id="10244" name="Picture 4"/>
+          <p:cNvPicPr>
+            <a:picLocks noChangeAspect="1" noChangeArrowheads="1"/>
+          </p:cNvPicPr>
+          <p:nvPr/>
+        </p:nvPicPr>
+        <p:blipFill>
+          <a:blip r:embed="rId3">
+            <a:extLst>
+              <a:ext uri="{28A0092B-C50C-407E-A947-70E740481C1C}">
+                <a14:useLocalDpi xmlns:a14="http://schemas.microsoft.com/office/drawing/2010/main" val="0"/>
+              </a:ext>
+            </a:extLst>
+          </a:blip>
+          <a:srcRect/>
+          <a:stretch>
+            <a:fillRect/>
+          </a:stretch>
+        </p:blipFill>
+        <p:spPr bwMode="auto">
+          <a:xfrm>
+            <a:off x="6730161" y="3809670"/>
+            <a:ext cx="2964842" cy="2410378"/>
           </a:xfrm>
           <a:prstGeom prst="rect">
             <a:avLst/>
@@ -17265,7 +17447,7 @@
     </p:spTree>
     <p:extLst>
       <p:ext uri="{BB962C8B-B14F-4D97-AF65-F5344CB8AC3E}">
-        <p14:creationId xmlns:p14="http://schemas.microsoft.com/office/powerpoint/2010/main" val="1428525839"/>
+        <p14:creationId xmlns:p14="http://schemas.microsoft.com/office/powerpoint/2010/main" val="355035293"/>
       </p:ext>
     </p:extLst>
   </p:cSld>
@@ -17508,9 +17690,384 @@
           </a:p>
         </p:txBody>
       </p:sp>
+      <p:sp>
+        <p:nvSpPr>
+          <p:cNvPr id="11" name="TextBox 10"/>
+          <p:cNvSpPr txBox="1"/>
+          <p:nvPr/>
+        </p:nvSpPr>
+        <p:spPr>
+          <a:xfrm>
+            <a:off x="1942457" y="1732361"/>
+            <a:ext cx="8176827" cy="3139321"/>
+          </a:xfrm>
+          <a:prstGeom prst="rect">
+            <a:avLst/>
+          </a:prstGeom>
+          <a:noFill/>
+          <a:ln>
+            <a:noFill/>
+          </a:ln>
+        </p:spPr>
+        <p:txBody>
+          <a:bodyPr wrap="square" rtlCol="0">
+            <a:spAutoFit/>
+          </a:bodyPr>
+          <a:lstStyle/>
+          <a:p>
+            <a:pPr>
+              <a:lnSpc>
+                <a:spcPct val="150000"/>
+              </a:lnSpc>
+            </a:pPr>
+            <a:r>
+              <a:rPr lang="ko-KR" altLang="en-US" sz="1200" dirty="0">
+                <a:latin typeface="+mn-ea"/>
+              </a:rPr>
+              <a:t>동시출현</a:t>
+            </a:r>
+            <a:r>
+              <a:rPr lang="en-US" altLang="ko-KR" sz="1200" dirty="0">
+                <a:latin typeface="+mn-ea"/>
+              </a:rPr>
+              <a:t>(Co-occurrence)</a:t>
+            </a:r>
+            <a:r>
+              <a:rPr lang="ko-KR" altLang="en-US" sz="1200" dirty="0">
+                <a:latin typeface="+mn-ea"/>
+              </a:rPr>
+              <a:t>이란 한 문장</a:t>
+            </a:r>
+            <a:r>
+              <a:rPr lang="en-US" altLang="ko-KR" sz="1200" dirty="0">
+                <a:latin typeface="+mn-ea"/>
+              </a:rPr>
+              <a:t>, </a:t>
+            </a:r>
+            <a:r>
+              <a:rPr lang="ko-KR" altLang="en-US" sz="1200" dirty="0">
+                <a:latin typeface="+mn-ea"/>
+              </a:rPr>
+              <a:t>문단 또는 텍스트 단위에서 같이 출현한 단어를 가리킵니다</a:t>
+            </a:r>
+            <a:r>
+              <a:rPr lang="en-US" altLang="ko-KR" sz="1200" dirty="0">
+                <a:latin typeface="+mn-ea"/>
+              </a:rPr>
+              <a:t>. </a:t>
+            </a:r>
+            <a:r>
+              <a:rPr lang="ko-KR" altLang="en-US" sz="1200" dirty="0">
+                <a:latin typeface="+mn-ea"/>
+              </a:rPr>
+              <a:t>단어의 연결성</a:t>
+            </a:r>
+            <a:r>
+              <a:rPr lang="en-US" altLang="ko-KR" sz="1200" dirty="0">
+                <a:latin typeface="+mn-ea"/>
+              </a:rPr>
+              <a:t>(collocation)</a:t>
+            </a:r>
+            <a:r>
+              <a:rPr lang="ko-KR" altLang="en-US" sz="1200" dirty="0">
+                <a:latin typeface="+mn-ea"/>
+              </a:rPr>
+              <a:t>을 찾는 데 활용된다</a:t>
+            </a:r>
+            <a:r>
+              <a:rPr lang="en-US" altLang="ko-KR" sz="1200" dirty="0">
+                <a:latin typeface="+mn-ea"/>
+              </a:rPr>
+              <a:t>. </a:t>
+            </a:r>
+            <a:r>
+              <a:rPr lang="ko-KR" altLang="en-US" sz="1200" dirty="0">
+                <a:latin typeface="+mn-ea"/>
+              </a:rPr>
+              <a:t>이 개념에서 출발한 동시출현 네트워크</a:t>
+            </a:r>
+            <a:r>
+              <a:rPr lang="en-US" altLang="ko-KR" sz="1200" dirty="0">
+                <a:latin typeface="+mn-ea"/>
+              </a:rPr>
+              <a:t>(Co-occurrence networks)</a:t>
+            </a:r>
+            <a:r>
+              <a:rPr lang="ko-KR" altLang="en-US" sz="1200" dirty="0">
+                <a:latin typeface="+mn-ea"/>
+              </a:rPr>
+              <a:t>는 특정 텍스트 단위에서 공동으로 출현한 단어의 집합적 상호 연결을 표현하는 방식이다</a:t>
+            </a:r>
+            <a:r>
+              <a:rPr lang="en-US" altLang="ko-KR" sz="1200" dirty="0">
+                <a:latin typeface="+mn-ea"/>
+              </a:rPr>
+              <a:t>. </a:t>
+            </a:r>
+          </a:p>
+          <a:p>
+            <a:pPr>
+              <a:lnSpc>
+                <a:spcPct val="150000"/>
+              </a:lnSpc>
+            </a:pPr>
+            <a:endParaRPr lang="en-US" altLang="ko-KR" sz="1200" dirty="0">
+              <a:latin typeface="+mn-ea"/>
+            </a:endParaRPr>
+          </a:p>
+          <a:p>
+            <a:pPr>
+              <a:lnSpc>
+                <a:spcPct val="150000"/>
+              </a:lnSpc>
+            </a:pPr>
+            <a:r>
+              <a:rPr lang="ko-KR" altLang="en-US" sz="1200" dirty="0">
+                <a:latin typeface="+mn-ea"/>
+              </a:rPr>
+              <a:t>나타나는 단어를 모두 표시한 뒤</a:t>
+            </a:r>
+            <a:r>
+              <a:rPr lang="en-US" altLang="ko-KR" sz="1200" dirty="0">
+                <a:latin typeface="+mn-ea"/>
+              </a:rPr>
+              <a:t>, </a:t>
+            </a:r>
+            <a:r>
+              <a:rPr lang="ko-KR" altLang="en-US" sz="1200" dirty="0">
+                <a:latin typeface="+mn-ea"/>
+              </a:rPr>
+              <a:t>둘 사이를 선으로 연결해 나가다 보면 단어의 네트워크를 만들 수 있다</a:t>
+            </a:r>
+            <a:r>
+              <a:rPr lang="en-US" altLang="ko-KR" sz="1200" dirty="0">
+                <a:latin typeface="+mn-ea"/>
+              </a:rPr>
+              <a:t>. </a:t>
+            </a:r>
+            <a:r>
+              <a:rPr lang="en-US" altLang="ko-KR" sz="1200" dirty="0" err="1">
+                <a:latin typeface="+mn-ea"/>
+              </a:rPr>
+              <a:t>qgraph</a:t>
+            </a:r>
+            <a:r>
+              <a:rPr lang="en-US" altLang="ko-KR" sz="1200" dirty="0">
+                <a:latin typeface="+mn-ea"/>
+              </a:rPr>
+              <a:t> </a:t>
+            </a:r>
+            <a:r>
+              <a:rPr lang="ko-KR" altLang="en-US" sz="1200" dirty="0">
+                <a:latin typeface="+mn-ea"/>
+              </a:rPr>
+              <a:t>패키지의 </a:t>
+            </a:r>
+            <a:r>
+              <a:rPr lang="en-US" altLang="ko-KR" sz="1200" dirty="0" err="1">
+                <a:latin typeface="+mn-ea"/>
+              </a:rPr>
+              <a:t>qgraph</a:t>
+            </a:r>
+            <a:r>
+              <a:rPr lang="en-US" altLang="ko-KR" sz="1200" dirty="0">
+                <a:latin typeface="+mn-ea"/>
+              </a:rPr>
+              <a:t>() </a:t>
+            </a:r>
+            <a:r>
+              <a:rPr lang="ko-KR" altLang="en-US" sz="1200" dirty="0">
+                <a:latin typeface="+mn-ea"/>
+              </a:rPr>
+              <a:t>함수를 사용한다</a:t>
+            </a:r>
+            <a:r>
+              <a:rPr lang="en-US" altLang="ko-KR" sz="1200" dirty="0">
+                <a:latin typeface="+mn-ea"/>
+              </a:rPr>
+              <a:t>.</a:t>
+            </a:r>
+          </a:p>
+          <a:p>
+            <a:pPr>
+              <a:lnSpc>
+                <a:spcPct val="150000"/>
+              </a:lnSpc>
+            </a:pPr>
+            <a:endParaRPr lang="en-US" altLang="ko-KR" sz="1200" dirty="0">
+              <a:latin typeface="+mn-ea"/>
+            </a:endParaRPr>
+          </a:p>
+          <a:p>
+            <a:pPr>
+              <a:lnSpc>
+                <a:spcPct val="150000"/>
+              </a:lnSpc>
+            </a:pPr>
+            <a:r>
+              <a:rPr lang="en-US" altLang="ko-KR" sz="1200" dirty="0" err="1">
+                <a:latin typeface="+mn-ea"/>
+              </a:rPr>
+              <a:t>install.packages</a:t>
+            </a:r>
+            <a:r>
+              <a:rPr lang="en-US" altLang="ko-KR" sz="1200" dirty="0">
+                <a:latin typeface="+mn-ea"/>
+              </a:rPr>
+              <a:t>("</a:t>
+            </a:r>
+            <a:r>
+              <a:rPr lang="en-US" altLang="ko-KR" sz="1200" dirty="0" err="1">
+                <a:latin typeface="+mn-ea"/>
+              </a:rPr>
+              <a:t>qgraph</a:t>
+            </a:r>
+            <a:r>
+              <a:rPr lang="en-US" altLang="ko-KR" sz="1200" dirty="0">
+                <a:latin typeface="+mn-ea"/>
+              </a:rPr>
+              <a:t>")</a:t>
+            </a:r>
+          </a:p>
+          <a:p>
+            <a:pPr>
+              <a:lnSpc>
+                <a:spcPct val="150000"/>
+              </a:lnSpc>
+            </a:pPr>
+            <a:r>
+              <a:rPr lang="en-US" altLang="ko-KR" sz="1200" dirty="0">
+                <a:latin typeface="+mn-ea"/>
+              </a:rPr>
+              <a:t>library(</a:t>
+            </a:r>
+            <a:r>
+              <a:rPr lang="en-US" altLang="ko-KR" sz="1200" dirty="0" err="1">
+                <a:latin typeface="+mn-ea"/>
+              </a:rPr>
+              <a:t>qgraph</a:t>
+            </a:r>
+            <a:r>
+              <a:rPr lang="en-US" altLang="ko-KR" sz="1200" dirty="0">
+                <a:latin typeface="+mn-ea"/>
+              </a:rPr>
+              <a:t>)</a:t>
+            </a:r>
+          </a:p>
+          <a:p>
+            <a:pPr>
+              <a:lnSpc>
+                <a:spcPct val="150000"/>
+              </a:lnSpc>
+            </a:pPr>
+            <a:endParaRPr lang="en-US" altLang="ko-KR" sz="1200" dirty="0">
+              <a:latin typeface="+mn-ea"/>
+            </a:endParaRPr>
+          </a:p>
+          <a:p>
+            <a:pPr>
+              <a:lnSpc>
+                <a:spcPct val="150000"/>
+              </a:lnSpc>
+            </a:pPr>
+            <a:r>
+              <a:rPr lang="en-US" altLang="ko-KR" sz="1200" dirty="0" err="1">
+                <a:latin typeface="+mn-ea"/>
+              </a:rPr>
+              <a:t>qgraph</a:t>
+            </a:r>
+            <a:r>
+              <a:rPr lang="en-US" altLang="ko-KR" sz="1200" dirty="0">
+                <a:latin typeface="+mn-ea"/>
+              </a:rPr>
+              <a:t>(com, labels=</a:t>
+            </a:r>
+            <a:r>
+              <a:rPr lang="en-US" altLang="ko-KR" sz="1200" dirty="0" err="1">
+                <a:latin typeface="+mn-ea"/>
+              </a:rPr>
+              <a:t>rownames</a:t>
+            </a:r>
+            <a:r>
+              <a:rPr lang="en-US" altLang="ko-KR" sz="1200" dirty="0">
+                <a:latin typeface="+mn-ea"/>
+              </a:rPr>
+              <a:t>(com), </a:t>
+            </a:r>
+            <a:r>
+              <a:rPr lang="en-US" altLang="ko-KR" sz="1200" dirty="0" err="1">
+                <a:latin typeface="+mn-ea"/>
+              </a:rPr>
+              <a:t>diag</a:t>
+            </a:r>
+            <a:r>
+              <a:rPr lang="en-US" altLang="ko-KR" sz="1200" dirty="0">
+                <a:latin typeface="+mn-ea"/>
+              </a:rPr>
+              <a:t>=F, </a:t>
+            </a:r>
+          </a:p>
+          <a:p>
+            <a:pPr>
+              <a:lnSpc>
+                <a:spcPct val="150000"/>
+              </a:lnSpc>
+            </a:pPr>
+            <a:r>
+              <a:rPr lang="en-US" altLang="ko-KR" sz="1200" dirty="0">
+                <a:latin typeface="+mn-ea"/>
+              </a:rPr>
+              <a:t>layout='spring',  </a:t>
+            </a:r>
+            <a:r>
+              <a:rPr lang="en-US" altLang="ko-KR" sz="1200" dirty="0" err="1">
+                <a:latin typeface="+mn-ea"/>
+              </a:rPr>
+              <a:t>edge.color</a:t>
+            </a:r>
+            <a:r>
+              <a:rPr lang="en-US" altLang="ko-KR" sz="1200" dirty="0">
+                <a:latin typeface="+mn-ea"/>
+              </a:rPr>
+              <a:t>='blue', </a:t>
+            </a:r>
+          </a:p>
+          <a:p>
+            <a:pPr>
+              <a:lnSpc>
+                <a:spcPct val="150000"/>
+              </a:lnSpc>
+            </a:pPr>
+            <a:r>
+              <a:rPr lang="en-US" altLang="ko-KR" sz="1200" dirty="0" err="1">
+                <a:latin typeface="+mn-ea"/>
+              </a:rPr>
+              <a:t>vsize</a:t>
+            </a:r>
+            <a:r>
+              <a:rPr lang="en-US" altLang="ko-KR" sz="1200" dirty="0">
+                <a:latin typeface="+mn-ea"/>
+              </a:rPr>
+              <a:t>=log(</a:t>
+            </a:r>
+            <a:r>
+              <a:rPr lang="en-US" altLang="ko-KR" sz="1200" dirty="0" err="1">
+                <a:latin typeface="+mn-ea"/>
+              </a:rPr>
+              <a:t>diag</a:t>
+            </a:r>
+            <a:r>
+              <a:rPr lang="en-US" altLang="ko-KR" sz="1200" dirty="0">
+                <a:latin typeface="+mn-ea"/>
+              </a:rPr>
+              <a:t>(com)*800))</a:t>
+            </a:r>
+          </a:p>
+        </p:txBody>
+      </p:sp>
       <p:pic>
         <p:nvPicPr>
-          <p:cNvPr id="11266" name="Picture 2"/>
+          <p:cNvPr id="9218" name="Picture 2"/>
           <p:cNvPicPr>
             <a:picLocks noChangeAspect="1" noChangeArrowheads="1"/>
           </p:cNvPicPr>
@@ -17531,8 +18088,8 @@
         </p:blipFill>
         <p:spPr bwMode="auto">
           <a:xfrm>
-            <a:off x="1794874" y="2139136"/>
-            <a:ext cx="4745832" cy="4495580"/>
+            <a:off x="5321595" y="3274829"/>
+            <a:ext cx="5032514" cy="3136605"/>
           </a:xfrm>
           <a:prstGeom prst="rect">
             <a:avLst/>
@@ -17572,314 +18129,10 @@
           </a:extLst>
         </p:spPr>
       </p:pic>
-      <p:sp>
-        <p:nvSpPr>
-          <p:cNvPr id="10" name="TextBox 9"/>
-          <p:cNvSpPr txBox="1"/>
-          <p:nvPr/>
-        </p:nvSpPr>
-        <p:spPr>
-          <a:xfrm>
-            <a:off x="1942456" y="1732361"/>
-            <a:ext cx="4227058" cy="1200329"/>
-          </a:xfrm>
-          <a:prstGeom prst="rect">
-            <a:avLst/>
-          </a:prstGeom>
-          <a:noFill/>
-          <a:ln>
-            <a:noFill/>
-          </a:ln>
-        </p:spPr>
-        <p:txBody>
-          <a:bodyPr wrap="square" rtlCol="0">
-            <a:spAutoFit/>
-          </a:bodyPr>
-          <a:lstStyle/>
-          <a:p>
-            <a:pPr>
-              <a:lnSpc>
-                <a:spcPct val="150000"/>
-              </a:lnSpc>
-            </a:pPr>
-            <a:r>
-              <a:rPr lang="ko-KR" altLang="en-US" sz="1200" dirty="0">
-                <a:latin typeface="+mn-ea"/>
-              </a:rPr>
-              <a:t>단어의 출현횟수를 바 그래프로 그린다</a:t>
-            </a:r>
-            <a:r>
-              <a:rPr lang="en-US" altLang="ko-KR" sz="1200" dirty="0">
-                <a:latin typeface="+mn-ea"/>
-              </a:rPr>
-              <a:t>.</a:t>
-            </a:r>
-          </a:p>
-          <a:p>
-            <a:pPr>
-              <a:lnSpc>
-                <a:spcPct val="150000"/>
-              </a:lnSpc>
-            </a:pPr>
-            <a:endParaRPr lang="en-US" altLang="ko-KR" sz="1200" dirty="0">
-              <a:latin typeface="+mn-ea"/>
-            </a:endParaRPr>
-          </a:p>
-          <a:p>
-            <a:pPr>
-              <a:lnSpc>
-                <a:spcPct val="150000"/>
-              </a:lnSpc>
-            </a:pPr>
-            <a:endParaRPr lang="en-US" altLang="ko-KR" sz="1200" dirty="0">
-              <a:latin typeface="+mn-ea"/>
-            </a:endParaRPr>
-          </a:p>
-          <a:p>
-            <a:pPr>
-              <a:lnSpc>
-                <a:spcPct val="150000"/>
-              </a:lnSpc>
-            </a:pPr>
-            <a:endParaRPr lang="en-US" altLang="ko-KR" sz="1200" dirty="0" err="1">
-              <a:latin typeface="+mn-ea"/>
-            </a:endParaRPr>
-          </a:p>
-        </p:txBody>
-      </p:sp>
-      <p:pic>
-        <p:nvPicPr>
-          <p:cNvPr id="11267" name="Picture 3"/>
-          <p:cNvPicPr>
-            <a:picLocks noChangeAspect="1" noChangeArrowheads="1"/>
-          </p:cNvPicPr>
-          <p:nvPr/>
-        </p:nvPicPr>
-        <p:blipFill>
-          <a:blip r:embed="rId3">
-            <a:extLst>
-              <a:ext uri="{28A0092B-C50C-407E-A947-70E740481C1C}">
-                <a14:useLocalDpi xmlns:a14="http://schemas.microsoft.com/office/drawing/2010/main" val="0"/>
-              </a:ext>
-            </a:extLst>
-          </a:blip>
-          <a:srcRect/>
-          <a:stretch>
-            <a:fillRect/>
-          </a:stretch>
-        </p:blipFill>
-        <p:spPr bwMode="auto">
-          <a:xfrm>
-            <a:off x="5580646" y="1919620"/>
-            <a:ext cx="4933950" cy="1104900"/>
-          </a:xfrm>
-          <a:prstGeom prst="rect">
-            <a:avLst/>
-          </a:prstGeom>
-          <a:noFill/>
-          <a:ln>
-            <a:noFill/>
-          </a:ln>
-          <a:effectLst/>
-          <a:extLst>
-            <a:ext uri="{909E8E84-426E-40DD-AFC4-6F175D3DCCD1}">
-              <a14:hiddenFill xmlns:a14="http://schemas.microsoft.com/office/drawing/2010/main">
-                <a:solidFill>
-                  <a:schemeClr val="accent1"/>
-                </a:solidFill>
-              </a14:hiddenFill>
-            </a:ext>
-            <a:ext uri="{91240B29-F687-4F45-9708-019B960494DF}">
-              <a14:hiddenLine xmlns:a14="http://schemas.microsoft.com/office/drawing/2010/main" w="9525">
-                <a:solidFill>
-                  <a:schemeClr val="tx1"/>
-                </a:solidFill>
-                <a:miter lim="800000"/>
-                <a:headEnd/>
-                <a:tailEnd/>
-              </a14:hiddenLine>
-            </a:ext>
-            <a:ext uri="{AF507438-7753-43E0-B8FC-AC1667EBCBE1}">
-              <a14:hiddenEffects xmlns:a14="http://schemas.microsoft.com/office/drawing/2010/main">
-                <a:effectLst>
-                  <a:outerShdw dist="35921" dir="2700000" algn="ctr" rotWithShape="0">
-                    <a:schemeClr val="bg2"/>
-                  </a:outerShdw>
-                </a:effectLst>
-              </a14:hiddenEffects>
-            </a:ext>
-          </a:extLst>
-        </p:spPr>
-      </p:pic>
-      <p:sp>
-        <p:nvSpPr>
-          <p:cNvPr id="12" name="TextBox 11"/>
-          <p:cNvSpPr txBox="1"/>
-          <p:nvPr/>
-        </p:nvSpPr>
-        <p:spPr>
-          <a:xfrm>
-            <a:off x="6030870" y="3786761"/>
-            <a:ext cx="4227058" cy="1169551"/>
-          </a:xfrm>
-          <a:prstGeom prst="rect">
-            <a:avLst/>
-          </a:prstGeom>
-          <a:noFill/>
-          <a:ln>
-            <a:noFill/>
-          </a:ln>
-        </p:spPr>
-        <p:txBody>
-          <a:bodyPr wrap="square" rtlCol="0">
-            <a:spAutoFit/>
-          </a:bodyPr>
-          <a:lstStyle/>
-          <a:p>
-            <a:pPr>
-              <a:lnSpc>
-                <a:spcPct val="150000"/>
-              </a:lnSpc>
-            </a:pPr>
-            <a:r>
-              <a:rPr lang="en-US" altLang="ko-KR" sz="1200" dirty="0" err="1">
-                <a:latin typeface="+mn-ea"/>
-              </a:rPr>
-              <a:t>barplot</a:t>
-            </a:r>
-            <a:r>
-              <a:rPr lang="en-US" altLang="ko-KR" sz="1200" dirty="0">
-                <a:latin typeface="+mn-ea"/>
-              </a:rPr>
-              <a:t>(</a:t>
-            </a:r>
-            <a:r>
-              <a:rPr lang="en-US" altLang="ko-KR" sz="1200" dirty="0" err="1">
-                <a:latin typeface="+mn-ea"/>
-              </a:rPr>
-              <a:t>termFreq</a:t>
-            </a:r>
-            <a:r>
-              <a:rPr lang="en-US" altLang="ko-KR" sz="1200" dirty="0">
-                <a:latin typeface="+mn-ea"/>
-              </a:rPr>
-              <a:t>[</a:t>
-            </a:r>
-            <a:r>
-              <a:rPr lang="en-US" altLang="ko-KR" sz="1200" dirty="0" err="1">
-                <a:latin typeface="+mn-ea"/>
-              </a:rPr>
-              <a:t>termFreq</a:t>
-            </a:r>
-            <a:r>
-              <a:rPr lang="en-US" altLang="ko-KR" sz="1200" dirty="0">
-                <a:latin typeface="+mn-ea"/>
-              </a:rPr>
-              <a:t> &gt;= 7], </a:t>
-            </a:r>
-          </a:p>
-          <a:p>
-            <a:pPr>
-              <a:lnSpc>
-                <a:spcPct val="150000"/>
-              </a:lnSpc>
-            </a:pPr>
-            <a:r>
-              <a:rPr lang="en-US" altLang="ko-KR" sz="1200" dirty="0">
-                <a:latin typeface="+mn-ea"/>
-              </a:rPr>
-              <a:t>        </a:t>
-            </a:r>
-            <a:r>
-              <a:rPr lang="en-US" altLang="ko-KR" sz="1200" dirty="0" err="1">
-                <a:latin typeface="+mn-ea"/>
-              </a:rPr>
-              <a:t>horiz</a:t>
-            </a:r>
-            <a:r>
-              <a:rPr lang="en-US" altLang="ko-KR" sz="1200" dirty="0">
-                <a:latin typeface="+mn-ea"/>
-              </a:rPr>
-              <a:t>=T, </a:t>
-            </a:r>
-            <a:r>
-              <a:rPr lang="en-US" altLang="ko-KR" sz="1200" dirty="0" err="1">
-                <a:latin typeface="+mn-ea"/>
-              </a:rPr>
-              <a:t>las</a:t>
-            </a:r>
-            <a:r>
-              <a:rPr lang="en-US" altLang="ko-KR" sz="1200" dirty="0">
-                <a:latin typeface="+mn-ea"/>
-              </a:rPr>
-              <a:t>=1, </a:t>
-            </a:r>
-            <a:r>
-              <a:rPr lang="en-US" altLang="ko-KR" sz="1200" dirty="0" err="1">
-                <a:latin typeface="+mn-ea"/>
-              </a:rPr>
-              <a:t>cex.names</a:t>
-            </a:r>
-            <a:r>
-              <a:rPr lang="en-US" altLang="ko-KR" sz="1200" dirty="0">
-                <a:latin typeface="+mn-ea"/>
-              </a:rPr>
-              <a:t>=0.8, </a:t>
-            </a:r>
-          </a:p>
-          <a:p>
-            <a:pPr>
-              <a:lnSpc>
-                <a:spcPct val="150000"/>
-              </a:lnSpc>
-            </a:pPr>
-            <a:r>
-              <a:rPr lang="en-US" altLang="ko-KR" sz="1200" dirty="0">
-                <a:latin typeface="+mn-ea"/>
-              </a:rPr>
-              <a:t>        col=rainbow(16), </a:t>
-            </a:r>
-            <a:r>
-              <a:rPr lang="en-US" altLang="ko-KR" sz="1200" dirty="0" err="1">
-                <a:latin typeface="+mn-ea"/>
-              </a:rPr>
-              <a:t>xlab</a:t>
-            </a:r>
-            <a:r>
-              <a:rPr lang="en-US" altLang="ko-KR" sz="1200" dirty="0">
-                <a:latin typeface="+mn-ea"/>
-              </a:rPr>
-              <a:t>="word Frequency", </a:t>
-            </a:r>
-            <a:r>
-              <a:rPr lang="en-US" altLang="ko-KR" sz="1200" dirty="0" err="1">
-                <a:latin typeface="+mn-ea"/>
-              </a:rPr>
-              <a:t>ylab</a:t>
-            </a:r>
-            <a:r>
-              <a:rPr lang="en-US" altLang="ko-KR" sz="1200" dirty="0">
-                <a:latin typeface="+mn-ea"/>
-              </a:rPr>
-              <a:t>="Words")</a:t>
-            </a:r>
-          </a:p>
-          <a:p>
-            <a:pPr>
-              <a:lnSpc>
-                <a:spcPct val="150000"/>
-              </a:lnSpc>
-            </a:pPr>
-            <a:endParaRPr lang="en-US" altLang="ko-KR" sz="1200" dirty="0" err="1">
-              <a:latin typeface="+mn-ea"/>
-            </a:endParaRPr>
-          </a:p>
-        </p:txBody>
-      </p:sp>
     </p:spTree>
     <p:extLst>
       <p:ext uri="{BB962C8B-B14F-4D97-AF65-F5344CB8AC3E}">
-        <p14:creationId xmlns:p14="http://schemas.microsoft.com/office/powerpoint/2010/main" val="2937835654"/>
+        <p14:creationId xmlns:p14="http://schemas.microsoft.com/office/powerpoint/2010/main" val="1428525839"/>
       </p:ext>
     </p:extLst>
   </p:cSld>
@@ -18461,6 +18714,620 @@
     <p:extLst>
       <p:ext uri="{BB962C8B-B14F-4D97-AF65-F5344CB8AC3E}">
         <p14:creationId xmlns:p14="http://schemas.microsoft.com/office/powerpoint/2010/main" val="2105864155"/>
+      </p:ext>
+    </p:extLst>
+  </p:cSld>
+  <p:clrMapOvr>
+    <a:masterClrMapping/>
+  </p:clrMapOvr>
+</p:sld>
+</file>
+
+<file path=ppt/slides/slide30.xml><?xml version="1.0" encoding="utf-8"?>
+<p:sld xmlns:a="http://schemas.openxmlformats.org/drawingml/2006/main" xmlns:r="http://schemas.openxmlformats.org/officeDocument/2006/relationships" xmlns:p="http://schemas.openxmlformats.org/presentationml/2006/main">
+  <p:cSld>
+    <p:spTree>
+      <p:nvGrpSpPr>
+        <p:cNvPr id="1" name=""/>
+        <p:cNvGrpSpPr/>
+        <p:nvPr/>
+      </p:nvGrpSpPr>
+      <p:grpSpPr>
+        <a:xfrm>
+          <a:off x="0" y="0"/>
+          <a:ext cx="0" cy="0"/>
+          <a:chOff x="0" y="0"/>
+          <a:chExt cx="0" cy="0"/>
+        </a:xfrm>
+      </p:grpSpPr>
+      <p:sp>
+        <p:nvSpPr>
+          <p:cNvPr id="9" name="직사각형 8"/>
+          <p:cNvSpPr/>
+          <p:nvPr/>
+        </p:nvSpPr>
+        <p:spPr>
+          <a:xfrm>
+            <a:off x="1547146" y="265092"/>
+            <a:ext cx="8967451" cy="648072"/>
+          </a:xfrm>
+          <a:prstGeom prst="rect">
+            <a:avLst/>
+          </a:prstGeom>
+          <a:solidFill>
+            <a:schemeClr val="accent1">
+              <a:lumMod val="75000"/>
+            </a:schemeClr>
+          </a:solidFill>
+          <a:ln w="19050">
+            <a:noFill/>
+          </a:ln>
+          <a:effectLst>
+            <a:outerShdw blurRad="50800" dist="50800" dir="5400000" algn="ctr" rotWithShape="0">
+              <a:srgbClr val="000000">
+                <a:alpha val="0"/>
+              </a:srgbClr>
+            </a:outerShdw>
+          </a:effectLst>
+        </p:spPr>
+        <p:style>
+          <a:lnRef idx="2">
+            <a:schemeClr val="accent1">
+              <a:shade val="50000"/>
+            </a:schemeClr>
+          </a:lnRef>
+          <a:fillRef idx="1">
+            <a:schemeClr val="accent1"/>
+          </a:fillRef>
+          <a:effectRef idx="0">
+            <a:schemeClr val="accent1"/>
+          </a:effectRef>
+          <a:fontRef idx="minor">
+            <a:schemeClr val="lt1"/>
+          </a:fontRef>
+        </p:style>
+        <p:txBody>
+          <a:bodyPr rtlCol="0" anchor="ctr"/>
+          <a:lstStyle/>
+          <a:p>
+            <a:r>
+              <a:rPr lang="en-US" altLang="ko-KR" sz="1400" b="1" dirty="0">
+                <a:solidFill>
+                  <a:schemeClr val="tx1">
+                    <a:lumMod val="50000"/>
+                    <a:lumOff val="50000"/>
+                  </a:schemeClr>
+                </a:solidFill>
+                <a:latin typeface="옥션고딕 M" pitchFamily="2" charset="-127"/>
+                <a:ea typeface="옥션고딕 M" pitchFamily="2" charset="-127"/>
+              </a:rPr>
+              <a:t> </a:t>
+            </a:r>
+            <a:r>
+              <a:rPr lang="en-US" altLang="ko-KR" sz="2000" b="1" dirty="0">
+                <a:solidFill>
+                  <a:schemeClr val="bg1"/>
+                </a:solidFill>
+                <a:latin typeface="나눔고딕 ExtraBold" pitchFamily="50" charset="-127"/>
+                <a:ea typeface="나눔고딕 ExtraBold" pitchFamily="50" charset="-127"/>
+              </a:rPr>
+              <a:t> </a:t>
+            </a:r>
+            <a:r>
+              <a:rPr lang="ko-KR" altLang="en-US" sz="2000" b="1" dirty="0">
+                <a:solidFill>
+                  <a:schemeClr val="bg1"/>
+                </a:solidFill>
+                <a:latin typeface="나눔고딕 ExtraBold" pitchFamily="50" charset="-127"/>
+                <a:ea typeface="나눔고딕 ExtraBold" pitchFamily="50" charset="-127"/>
+              </a:rPr>
+              <a:t>텍스트 </a:t>
+            </a:r>
+            <a:r>
+              <a:rPr lang="ko-KR" altLang="en-US" sz="2000" b="1" dirty="0" err="1">
+                <a:solidFill>
+                  <a:schemeClr val="bg1"/>
+                </a:solidFill>
+                <a:latin typeface="나눔고딕 ExtraBold" pitchFamily="50" charset="-127"/>
+                <a:ea typeface="나눔고딕 ExtraBold" pitchFamily="50" charset="-127"/>
+              </a:rPr>
+              <a:t>마이닝</a:t>
+            </a:r>
+            <a:endParaRPr lang="ko-KR" altLang="en-US" sz="2000" b="1" dirty="0">
+              <a:solidFill>
+                <a:schemeClr val="bg1"/>
+              </a:solidFill>
+              <a:latin typeface="나눔고딕 ExtraBold" pitchFamily="50" charset="-127"/>
+              <a:ea typeface="나눔고딕 ExtraBold" pitchFamily="50" charset="-127"/>
+            </a:endParaRPr>
+          </a:p>
+        </p:txBody>
+      </p:sp>
+      <p:sp>
+        <p:nvSpPr>
+          <p:cNvPr id="5" name="직사각형 4"/>
+          <p:cNvSpPr/>
+          <p:nvPr/>
+        </p:nvSpPr>
+        <p:spPr>
+          <a:xfrm>
+            <a:off x="1633934" y="418286"/>
+            <a:ext cx="9071163" cy="482117"/>
+          </a:xfrm>
+          <a:prstGeom prst="rect">
+            <a:avLst/>
+          </a:prstGeom>
+          <a:noFill/>
+          <a:ln>
+            <a:noFill/>
+          </a:ln>
+        </p:spPr>
+        <p:style>
+          <a:lnRef idx="2">
+            <a:schemeClr val="accent1">
+              <a:shade val="50000"/>
+            </a:schemeClr>
+          </a:lnRef>
+          <a:fillRef idx="1">
+            <a:schemeClr val="accent1"/>
+          </a:fillRef>
+          <a:effectRef idx="0">
+            <a:schemeClr val="accent1"/>
+          </a:effectRef>
+          <a:fontRef idx="minor">
+            <a:schemeClr val="lt1"/>
+          </a:fontRef>
+        </p:style>
+        <p:txBody>
+          <a:bodyPr rtlCol="0" anchor="ctr"/>
+          <a:lstStyle/>
+          <a:p>
+            <a:endParaRPr lang="ko-KR" altLang="en-US" sz="1000" b="1" dirty="0">
+              <a:solidFill>
+                <a:schemeClr val="bg1"/>
+              </a:solidFill>
+              <a:latin typeface="맑은 고딕" panose="020B0503020000020004" pitchFamily="50" charset="-127"/>
+            </a:endParaRPr>
+          </a:p>
+        </p:txBody>
+      </p:sp>
+      <p:sp>
+        <p:nvSpPr>
+          <p:cNvPr id="8" name="슬라이드 번호 개체 틀 7"/>
+          <p:cNvSpPr>
+            <a:spLocks noGrp="1"/>
+          </p:cNvSpPr>
+          <p:nvPr>
+            <p:ph type="sldNum" sz="quarter" idx="12"/>
+          </p:nvPr>
+        </p:nvSpPr>
+        <p:spPr/>
+        <p:txBody>
+          <a:bodyPr/>
+          <a:lstStyle/>
+          <a:p>
+            <a:fld id="{6AE8F7B5-BC09-45E7-8191-D02D6C7021BF}" type="slidenum">
+              <a:rPr lang="ko-KR" altLang="en-US" smtClean="0"/>
+              <a:t>30</a:t>
+            </a:fld>
+            <a:endParaRPr lang="ko-KR" altLang="en-US"/>
+          </a:p>
+        </p:txBody>
+      </p:sp>
+      <p:sp>
+        <p:nvSpPr>
+          <p:cNvPr id="2" name="TextBox 1"/>
+          <p:cNvSpPr txBox="1"/>
+          <p:nvPr/>
+        </p:nvSpPr>
+        <p:spPr>
+          <a:xfrm>
+            <a:off x="1633933" y="1107846"/>
+            <a:ext cx="6836625" cy="369332"/>
+          </a:xfrm>
+          <a:prstGeom prst="rect">
+            <a:avLst/>
+          </a:prstGeom>
+          <a:noFill/>
+        </p:spPr>
+        <p:txBody>
+          <a:bodyPr wrap="square" rtlCol="0">
+            <a:spAutoFit/>
+          </a:bodyPr>
+          <a:lstStyle/>
+          <a:p>
+            <a:r>
+              <a:rPr lang="en-US" altLang="ko-KR" b="1" dirty="0"/>
+              <a:t>4. </a:t>
+            </a:r>
+            <a:r>
+              <a:rPr lang="ko-KR" altLang="en-US" b="1" dirty="0"/>
+              <a:t>텍스트 </a:t>
+            </a:r>
+            <a:r>
+              <a:rPr lang="ko-KR" altLang="en-US" b="1" dirty="0" err="1"/>
+              <a:t>마이닝의</a:t>
+            </a:r>
+            <a:r>
+              <a:rPr lang="ko-KR" altLang="en-US" b="1" dirty="0"/>
+              <a:t> 결과 시각화</a:t>
+            </a:r>
+            <a:endParaRPr lang="en-US" altLang="ko-KR" b="1" dirty="0"/>
+          </a:p>
+        </p:txBody>
+      </p:sp>
+      <p:pic>
+        <p:nvPicPr>
+          <p:cNvPr id="11266" name="Picture 2"/>
+          <p:cNvPicPr>
+            <a:picLocks noChangeAspect="1" noChangeArrowheads="1"/>
+          </p:cNvPicPr>
+          <p:nvPr/>
+        </p:nvPicPr>
+        <p:blipFill>
+          <a:blip r:embed="rId2">
+            <a:extLst>
+              <a:ext uri="{28A0092B-C50C-407E-A947-70E740481C1C}">
+                <a14:useLocalDpi xmlns:a14="http://schemas.microsoft.com/office/drawing/2010/main" val="0"/>
+              </a:ext>
+            </a:extLst>
+          </a:blip>
+          <a:srcRect/>
+          <a:stretch>
+            <a:fillRect/>
+          </a:stretch>
+        </p:blipFill>
+        <p:spPr bwMode="auto">
+          <a:xfrm>
+            <a:off x="1794874" y="2139136"/>
+            <a:ext cx="4745832" cy="4495580"/>
+          </a:xfrm>
+          <a:prstGeom prst="rect">
+            <a:avLst/>
+          </a:prstGeom>
+          <a:noFill/>
+          <a:ln>
+            <a:noFill/>
+          </a:ln>
+          <a:effectLst/>
+          <a:extLst>
+            <a:ext uri="{909E8E84-426E-40DD-AFC4-6F175D3DCCD1}">
+              <a14:hiddenFill xmlns:a14="http://schemas.microsoft.com/office/drawing/2010/main">
+                <a:solidFill>
+                  <a:schemeClr val="accent1"/>
+                </a:solidFill>
+              </a14:hiddenFill>
+            </a:ext>
+            <a:ext uri="{91240B29-F687-4F45-9708-019B960494DF}">
+              <a14:hiddenLine xmlns:a14="http://schemas.microsoft.com/office/drawing/2010/main" w="9525">
+                <a:solidFill>
+                  <a:schemeClr val="tx1"/>
+                </a:solidFill>
+                <a:miter lim="800000"/>
+                <a:headEnd/>
+                <a:tailEnd/>
+              </a14:hiddenLine>
+            </a:ext>
+            <a:ext uri="{AF507438-7753-43E0-B8FC-AC1667EBCBE1}">
+              <a14:hiddenEffects xmlns:a14="http://schemas.microsoft.com/office/drawing/2010/main">
+                <a:effectLst>
+                  <a:outerShdw dist="35921" dir="2700000" algn="ctr" rotWithShape="0">
+                    <a:schemeClr val="bg2"/>
+                  </a:outerShdw>
+                </a:effectLst>
+              </a14:hiddenEffects>
+            </a:ext>
+          </a:extLst>
+        </p:spPr>
+      </p:pic>
+      <p:sp>
+        <p:nvSpPr>
+          <p:cNvPr id="10" name="TextBox 9"/>
+          <p:cNvSpPr txBox="1"/>
+          <p:nvPr/>
+        </p:nvSpPr>
+        <p:spPr>
+          <a:xfrm>
+            <a:off x="1942456" y="1732361"/>
+            <a:ext cx="4227058" cy="1200329"/>
+          </a:xfrm>
+          <a:prstGeom prst="rect">
+            <a:avLst/>
+          </a:prstGeom>
+          <a:noFill/>
+          <a:ln>
+            <a:noFill/>
+          </a:ln>
+        </p:spPr>
+        <p:txBody>
+          <a:bodyPr wrap="square" rtlCol="0">
+            <a:spAutoFit/>
+          </a:bodyPr>
+          <a:lstStyle/>
+          <a:p>
+            <a:pPr>
+              <a:lnSpc>
+                <a:spcPct val="150000"/>
+              </a:lnSpc>
+            </a:pPr>
+            <a:r>
+              <a:rPr lang="ko-KR" altLang="en-US" sz="1200" dirty="0">
+                <a:latin typeface="+mn-ea"/>
+              </a:rPr>
+              <a:t>단어의 출현횟수를 바 그래프로 그린다</a:t>
+            </a:r>
+            <a:r>
+              <a:rPr lang="en-US" altLang="ko-KR" sz="1200" dirty="0">
+                <a:latin typeface="+mn-ea"/>
+              </a:rPr>
+              <a:t>.</a:t>
+            </a:r>
+          </a:p>
+          <a:p>
+            <a:pPr>
+              <a:lnSpc>
+                <a:spcPct val="150000"/>
+              </a:lnSpc>
+            </a:pPr>
+            <a:endParaRPr lang="en-US" altLang="ko-KR" sz="1200" dirty="0">
+              <a:latin typeface="+mn-ea"/>
+            </a:endParaRPr>
+          </a:p>
+          <a:p>
+            <a:pPr>
+              <a:lnSpc>
+                <a:spcPct val="150000"/>
+              </a:lnSpc>
+            </a:pPr>
+            <a:endParaRPr lang="en-US" altLang="ko-KR" sz="1200" dirty="0">
+              <a:latin typeface="+mn-ea"/>
+            </a:endParaRPr>
+          </a:p>
+          <a:p>
+            <a:pPr>
+              <a:lnSpc>
+                <a:spcPct val="150000"/>
+              </a:lnSpc>
+            </a:pPr>
+            <a:endParaRPr lang="en-US" altLang="ko-KR" sz="1200" dirty="0" err="1">
+              <a:latin typeface="+mn-ea"/>
+            </a:endParaRPr>
+          </a:p>
+        </p:txBody>
+      </p:sp>
+      <p:pic>
+        <p:nvPicPr>
+          <p:cNvPr id="11267" name="Picture 3"/>
+          <p:cNvPicPr>
+            <a:picLocks noChangeAspect="1" noChangeArrowheads="1"/>
+          </p:cNvPicPr>
+          <p:nvPr/>
+        </p:nvPicPr>
+        <p:blipFill>
+          <a:blip r:embed="rId3">
+            <a:extLst>
+              <a:ext uri="{28A0092B-C50C-407E-A947-70E740481C1C}">
+                <a14:useLocalDpi xmlns:a14="http://schemas.microsoft.com/office/drawing/2010/main" val="0"/>
+              </a:ext>
+            </a:extLst>
+          </a:blip>
+          <a:srcRect/>
+          <a:stretch>
+            <a:fillRect/>
+          </a:stretch>
+        </p:blipFill>
+        <p:spPr bwMode="auto">
+          <a:xfrm>
+            <a:off x="5580646" y="1919620"/>
+            <a:ext cx="4933950" cy="1104900"/>
+          </a:xfrm>
+          <a:prstGeom prst="rect">
+            <a:avLst/>
+          </a:prstGeom>
+          <a:noFill/>
+          <a:ln>
+            <a:noFill/>
+          </a:ln>
+          <a:effectLst/>
+          <a:extLst>
+            <a:ext uri="{909E8E84-426E-40DD-AFC4-6F175D3DCCD1}">
+              <a14:hiddenFill xmlns:a14="http://schemas.microsoft.com/office/drawing/2010/main">
+                <a:solidFill>
+                  <a:schemeClr val="accent1"/>
+                </a:solidFill>
+              </a14:hiddenFill>
+            </a:ext>
+            <a:ext uri="{91240B29-F687-4F45-9708-019B960494DF}">
+              <a14:hiddenLine xmlns:a14="http://schemas.microsoft.com/office/drawing/2010/main" w="9525">
+                <a:solidFill>
+                  <a:schemeClr val="tx1"/>
+                </a:solidFill>
+                <a:miter lim="800000"/>
+                <a:headEnd/>
+                <a:tailEnd/>
+              </a14:hiddenLine>
+            </a:ext>
+            <a:ext uri="{AF507438-7753-43E0-B8FC-AC1667EBCBE1}">
+              <a14:hiddenEffects xmlns:a14="http://schemas.microsoft.com/office/drawing/2010/main">
+                <a:effectLst>
+                  <a:outerShdw dist="35921" dir="2700000" algn="ctr" rotWithShape="0">
+                    <a:schemeClr val="bg2"/>
+                  </a:outerShdw>
+                </a:effectLst>
+              </a14:hiddenEffects>
+            </a:ext>
+          </a:extLst>
+        </p:spPr>
+      </p:pic>
+      <p:sp>
+        <p:nvSpPr>
+          <p:cNvPr id="12" name="TextBox 11"/>
+          <p:cNvSpPr txBox="1"/>
+          <p:nvPr/>
+        </p:nvSpPr>
+        <p:spPr>
+          <a:xfrm>
+            <a:off x="6030870" y="3786761"/>
+            <a:ext cx="4227058" cy="1169551"/>
+          </a:xfrm>
+          <a:prstGeom prst="rect">
+            <a:avLst/>
+          </a:prstGeom>
+          <a:noFill/>
+          <a:ln>
+            <a:noFill/>
+          </a:ln>
+        </p:spPr>
+        <p:txBody>
+          <a:bodyPr wrap="square" rtlCol="0">
+            <a:spAutoFit/>
+          </a:bodyPr>
+          <a:lstStyle/>
+          <a:p>
+            <a:pPr>
+              <a:lnSpc>
+                <a:spcPct val="150000"/>
+              </a:lnSpc>
+            </a:pPr>
+            <a:r>
+              <a:rPr lang="en-US" altLang="ko-KR" sz="1200" dirty="0" err="1">
+                <a:latin typeface="+mn-ea"/>
+              </a:rPr>
+              <a:t>barplot</a:t>
+            </a:r>
+            <a:r>
+              <a:rPr lang="en-US" altLang="ko-KR" sz="1200" dirty="0">
+                <a:latin typeface="+mn-ea"/>
+              </a:rPr>
+              <a:t>(</a:t>
+            </a:r>
+            <a:r>
+              <a:rPr lang="en-US" altLang="ko-KR" sz="1200" dirty="0" err="1">
+                <a:latin typeface="+mn-ea"/>
+              </a:rPr>
+              <a:t>termFreq</a:t>
+            </a:r>
+            <a:r>
+              <a:rPr lang="en-US" altLang="ko-KR" sz="1200" dirty="0">
+                <a:latin typeface="+mn-ea"/>
+              </a:rPr>
+              <a:t>[</a:t>
+            </a:r>
+            <a:r>
+              <a:rPr lang="en-US" altLang="ko-KR" sz="1200" dirty="0" err="1">
+                <a:latin typeface="+mn-ea"/>
+              </a:rPr>
+              <a:t>termFreq</a:t>
+            </a:r>
+            <a:r>
+              <a:rPr lang="en-US" altLang="ko-KR" sz="1200" dirty="0">
+                <a:latin typeface="+mn-ea"/>
+              </a:rPr>
+              <a:t> &gt;= 7], </a:t>
+            </a:r>
+          </a:p>
+          <a:p>
+            <a:pPr>
+              <a:lnSpc>
+                <a:spcPct val="150000"/>
+              </a:lnSpc>
+            </a:pPr>
+            <a:r>
+              <a:rPr lang="en-US" altLang="ko-KR" sz="1200" dirty="0">
+                <a:latin typeface="+mn-ea"/>
+              </a:rPr>
+              <a:t>        </a:t>
+            </a:r>
+            <a:r>
+              <a:rPr lang="en-US" altLang="ko-KR" sz="1200" dirty="0" err="1">
+                <a:latin typeface="+mn-ea"/>
+              </a:rPr>
+              <a:t>horiz</a:t>
+            </a:r>
+            <a:r>
+              <a:rPr lang="en-US" altLang="ko-KR" sz="1200" dirty="0">
+                <a:latin typeface="+mn-ea"/>
+              </a:rPr>
+              <a:t>=T, </a:t>
+            </a:r>
+            <a:r>
+              <a:rPr lang="en-US" altLang="ko-KR" sz="1200" dirty="0" err="1">
+                <a:latin typeface="+mn-ea"/>
+              </a:rPr>
+              <a:t>las</a:t>
+            </a:r>
+            <a:r>
+              <a:rPr lang="en-US" altLang="ko-KR" sz="1200" dirty="0">
+                <a:latin typeface="+mn-ea"/>
+              </a:rPr>
+              <a:t>=1, </a:t>
+            </a:r>
+            <a:r>
+              <a:rPr lang="en-US" altLang="ko-KR" sz="1200" dirty="0" err="1">
+                <a:latin typeface="+mn-ea"/>
+              </a:rPr>
+              <a:t>cex.names</a:t>
+            </a:r>
+            <a:r>
+              <a:rPr lang="en-US" altLang="ko-KR" sz="1200" dirty="0">
+                <a:latin typeface="+mn-ea"/>
+              </a:rPr>
+              <a:t>=0.8, </a:t>
+            </a:r>
+          </a:p>
+          <a:p>
+            <a:pPr>
+              <a:lnSpc>
+                <a:spcPct val="150000"/>
+              </a:lnSpc>
+            </a:pPr>
+            <a:r>
+              <a:rPr lang="en-US" altLang="ko-KR" sz="1200" dirty="0">
+                <a:latin typeface="+mn-ea"/>
+              </a:rPr>
+              <a:t>        col=rainbow(16), </a:t>
+            </a:r>
+            <a:r>
+              <a:rPr lang="en-US" altLang="ko-KR" sz="1200" dirty="0" err="1">
+                <a:latin typeface="+mn-ea"/>
+              </a:rPr>
+              <a:t>xlab</a:t>
+            </a:r>
+            <a:r>
+              <a:rPr lang="en-US" altLang="ko-KR" sz="1200" dirty="0">
+                <a:latin typeface="+mn-ea"/>
+              </a:rPr>
+              <a:t>="word Frequency", </a:t>
+            </a:r>
+            <a:r>
+              <a:rPr lang="en-US" altLang="ko-KR" sz="1200" dirty="0" err="1">
+                <a:latin typeface="+mn-ea"/>
+              </a:rPr>
+              <a:t>ylab</a:t>
+            </a:r>
+            <a:r>
+              <a:rPr lang="en-US" altLang="ko-KR" sz="1200" dirty="0">
+                <a:latin typeface="+mn-ea"/>
+              </a:rPr>
+              <a:t>="Words")</a:t>
+            </a:r>
+          </a:p>
+          <a:p>
+            <a:pPr>
+              <a:lnSpc>
+                <a:spcPct val="150000"/>
+              </a:lnSpc>
+            </a:pPr>
+            <a:endParaRPr lang="en-US" altLang="ko-KR" sz="1200" dirty="0" err="1">
+              <a:latin typeface="+mn-ea"/>
+            </a:endParaRPr>
+          </a:p>
+        </p:txBody>
+      </p:sp>
+    </p:spTree>
+    <p:extLst>
+      <p:ext uri="{BB962C8B-B14F-4D97-AF65-F5344CB8AC3E}">
+        <p14:creationId xmlns:p14="http://schemas.microsoft.com/office/powerpoint/2010/main" val="2937835654"/>
       </p:ext>
     </p:extLst>
   </p:cSld>
